--- a/재활용도움센터 위치 선정.pptx
+++ b/재활용도움센터 위치 선정.pptx
@@ -113,11 +113,27 @@
       </a:defRPr>
     </a:lvl9pPr>
   </p:defaultTextStyle>
+  <p:extLst>
+    <p:ext uri="{EFAFB233-063F-42B5-8137-9DF3F51BA10A}">
+      <p15:sldGuideLst xmlns:p15="http://schemas.microsoft.com/office/powerpoint/2012/main">
+        <p15:guide id="1" orient="horz" pos="2160">
+          <p15:clr>
+            <a:srgbClr val="A4A3A4"/>
+          </p15:clr>
+        </p15:guide>
+        <p15:guide id="2" pos="3840">
+          <p15:clr>
+            <a:srgbClr val="A4A3A4"/>
+          </p15:clr>
+        </p15:guide>
+      </p15:sldGuideLst>
+    </p:ext>
+  </p:extLst>
 </p:presentation>
 </file>
 
 <file path=ppt/charts/chart1.xml><?xml version="1.0" encoding="utf-8"?>
-<c:chartSpace xmlns:c="http://schemas.openxmlformats.org/drawingml/2006/chart" xmlns:a="http://schemas.openxmlformats.org/drawingml/2006/main" xmlns:r="http://schemas.openxmlformats.org/officeDocument/2006/relationships">
+<c:chartSpace xmlns:c="http://schemas.openxmlformats.org/drawingml/2006/chart" xmlns:a="http://schemas.openxmlformats.org/drawingml/2006/main" xmlns:r="http://schemas.openxmlformats.org/officeDocument/2006/relationships" xmlns:c16r2="http://schemas.microsoft.com/office/drawing/2015/06/chart">
   <c:date1904 val="0"/>
   <c:lang val="ko-KR"/>
   <c:roundedCorners val="0"/>
@@ -176,7 +192,6 @@
           </a:p>
         </c:rich>
       </c:tx>
-      <c:layout/>
       <c:overlay val="0"/>
       <c:spPr>
         <a:noFill/>
@@ -185,6 +200,26 @@
         </a:ln>
         <a:effectLst/>
       </c:spPr>
+      <c:txPr>
+        <a:bodyPr rot="0" spcFirstLastPara="1" vertOverflow="ellipsis" vert="horz" wrap="square" anchor="ctr" anchorCtr="1"/>
+        <a:lstStyle/>
+        <a:p>
+          <a:pPr>
+            <a:defRPr sz="1400" b="0" i="0" u="none" strike="noStrike" kern="1200" spc="0" baseline="0">
+              <a:solidFill>
+                <a:schemeClr val="tx1">
+                  <a:lumMod val="65000"/>
+                  <a:lumOff val="35000"/>
+                </a:schemeClr>
+              </a:solidFill>
+              <a:latin typeface="+mn-lt"/>
+              <a:ea typeface="+mn-ea"/>
+              <a:cs typeface="+mn-cs"/>
+            </a:defRPr>
+          </a:pPr>
+          <a:endParaRPr lang="ko-KR"/>
+        </a:p>
+      </c:txPr>
     </c:title>
     <c:autoTitleDeleted val="0"/>
     <c:view3D>
@@ -192,7 +227,6 @@
       <c:rotY val="0"/>
       <c:depthPercent val="100"/>
       <c:rAngAx val="0"/>
-      <c:perspective val="30"/>
     </c:view3D>
     <c:floor>
       <c:thickness val="0"/>
@@ -264,7 +298,7 @@
                 </a:contourClr>
               </a:sp3d>
             </c:spPr>
-            <c:extLst xmlns:c16r2="http://schemas.microsoft.com/office/drawing/2015/06/chart">
+            <c:extLst>
               <c:ext xmlns:c16="http://schemas.microsoft.com/office/drawing/2014/chart" uri="{C3380CC4-5D6E-409C-BE32-E72D297353CC}">
                 <c16:uniqueId val="{00000001-9FD1-4CA7-B830-703DB343BAB9}"/>
               </c:ext>
@@ -289,7 +323,7 @@
                 </a:contourClr>
               </a:sp3d>
             </c:spPr>
-            <c:extLst xmlns:c16r2="http://schemas.microsoft.com/office/drawing/2015/06/chart">
+            <c:extLst>
               <c:ext xmlns:c16="http://schemas.microsoft.com/office/drawing/2014/chart" uri="{C3380CC4-5D6E-409C-BE32-E72D297353CC}">
                 <c16:uniqueId val="{00000003-9FD1-4CA7-B830-703DB343BAB9}"/>
               </c:ext>
@@ -314,7 +348,7 @@
                 </a:contourClr>
               </a:sp3d>
             </c:spPr>
-            <c:extLst xmlns:c16r2="http://schemas.microsoft.com/office/drawing/2015/06/chart">
+            <c:extLst>
               <c:ext xmlns:c16="http://schemas.microsoft.com/office/drawing/2014/chart" uri="{C3380CC4-5D6E-409C-BE32-E72D297353CC}">
                 <c16:uniqueId val="{00000005-9FD1-4CA7-B830-703DB343BAB9}"/>
               </c:ext>
@@ -339,7 +373,7 @@
                 </a:contourClr>
               </a:sp3d>
             </c:spPr>
-            <c:extLst xmlns:c16r2="http://schemas.microsoft.com/office/drawing/2015/06/chart">
+            <c:extLst>
               <c:ext xmlns:c16="http://schemas.microsoft.com/office/drawing/2014/chart" uri="{C3380CC4-5D6E-409C-BE32-E72D297353CC}">
                 <c16:uniqueId val="{00000007-9FD1-4CA7-B830-703DB343BAB9}"/>
               </c:ext>
@@ -364,7 +398,7 @@
                 </a:contourClr>
               </a:sp3d>
             </c:spPr>
-            <c:extLst xmlns:c16r2="http://schemas.microsoft.com/office/drawing/2015/06/chart">
+            <c:extLst>
               <c:ext xmlns:c16="http://schemas.microsoft.com/office/drawing/2014/chart" uri="{C3380CC4-5D6E-409C-BE32-E72D297353CC}">
                 <c16:uniqueId val="{00000009-9FD1-4CA7-B830-703DB343BAB9}"/>
               </c:ext>
@@ -421,7 +455,7 @@
                 <a:effectLst/>
               </c:spPr>
             </c:leaderLines>
-            <c:extLst xmlns:c16r2="http://schemas.microsoft.com/office/drawing/2015/06/chart">
+            <c:extLst>
               <c:ext xmlns:c15="http://schemas.microsoft.com/office/drawing/2012/chart" uri="{CE6537A1-D6FC-4f65-9D91-7224C49458BB}"/>
             </c:extLst>
           </c:dLbls>
@@ -472,7 +506,7 @@
               </c:numCache>
             </c:numRef>
           </c:val>
-          <c:extLst xmlns:c16r2="http://schemas.microsoft.com/office/drawing/2015/06/chart">
+          <c:extLst>
             <c:ext xmlns:c16="http://schemas.microsoft.com/office/drawing/2014/chart" uri="{C3380CC4-5D6E-409C-BE32-E72D297353CC}">
               <c16:uniqueId val="{0000000A-9FD1-4CA7-B830-703DB343BAB9}"/>
             </c:ext>
@@ -498,7 +532,6 @@
     </c:plotArea>
     <c:legend>
       <c:legendPos val="b"/>
-      <c:layout/>
       <c:overlay val="0"/>
       <c:spPr>
         <a:noFill/>
@@ -530,14 +563,14 @@
     </c:legend>
     <c:plotVisOnly val="1"/>
     <c:dispBlanksAs val="gap"/>
-    <c:showDLblsOverMax val="0"/>
-    <c:extLst xmlns:c16r2="http://schemas.microsoft.com/office/drawing/2015/06/chart">
+    <c:extLst>
       <c:ext xmlns:c16r3="http://schemas.microsoft.com/office/drawing/2017/03/chart" uri="{56B9EC1D-385E-4148-901F-78D8002777C0}">
         <c16r3:dataDisplayOptions16>
           <c16r3:dispNaAsBlank val="1"/>
         </c16r3:dataDisplayOptions16>
       </c:ext>
     </c:extLst>
+    <c:showDLblsOverMax val="0"/>
   </c:chart>
   <c:spPr>
     <a:noFill/>
@@ -556,7 +589,7 @@
       <a:endParaRPr lang="ko-KR"/>
     </a:p>
   </c:txPr>
-  <c:externalData r:id="rId1">
+  <c:externalData r:id="rId3">
     <c:autoUpdate val="0"/>
   </c:externalData>
 </c:chartSpace>
@@ -1297,7 +1330,7 @@
           <a:p>
             <a:fld id="{D4B58FAA-21F7-4B8C-A176-1E5B0EF4045F}" type="datetimeFigureOut">
               <a:rPr lang="ko-KR" altLang="en-US" smtClean="0"/>
-              <a:t>2020-01-15</a:t>
+              <a:t>2020-01-16</a:t>
             </a:fld>
             <a:endParaRPr lang="ko-KR" altLang="en-US"/>
           </a:p>
@@ -1467,7 +1500,7 @@
           <a:p>
             <a:fld id="{D4B58FAA-21F7-4B8C-A176-1E5B0EF4045F}" type="datetimeFigureOut">
               <a:rPr lang="ko-KR" altLang="en-US" smtClean="0"/>
-              <a:t>2020-01-15</a:t>
+              <a:t>2020-01-16</a:t>
             </a:fld>
             <a:endParaRPr lang="ko-KR" altLang="en-US"/>
           </a:p>
@@ -1690,7 +1723,7 @@
           <a:p>
             <a:fld id="{D4B58FAA-21F7-4B8C-A176-1E5B0EF4045F}" type="datetimeFigureOut">
               <a:rPr lang="ko-KR" altLang="en-US" smtClean="0"/>
-              <a:t>2020-01-15</a:t>
+              <a:t>2020-01-16</a:t>
             </a:fld>
             <a:endParaRPr lang="ko-KR" altLang="en-US"/>
           </a:p>
@@ -1870,7 +1903,7 @@
           <a:p>
             <a:fld id="{D4B58FAA-21F7-4B8C-A176-1E5B0EF4045F}" type="datetimeFigureOut">
               <a:rPr lang="ko-KR" altLang="en-US" smtClean="0"/>
-              <a:t>2020-01-15</a:t>
+              <a:t>2020-01-16</a:t>
             </a:fld>
             <a:endParaRPr lang="ko-KR" altLang="en-US"/>
           </a:p>
@@ -2176,7 +2209,7 @@
           <a:p>
             <a:fld id="{D4B58FAA-21F7-4B8C-A176-1E5B0EF4045F}" type="datetimeFigureOut">
               <a:rPr lang="ko-KR" altLang="en-US" smtClean="0"/>
-              <a:t>2020-01-15</a:t>
+              <a:t>2020-01-16</a:t>
             </a:fld>
             <a:endParaRPr lang="ko-KR" altLang="en-US"/>
           </a:p>
@@ -2480,7 +2513,7 @@
           <a:p>
             <a:fld id="{D4B58FAA-21F7-4B8C-A176-1E5B0EF4045F}" type="datetimeFigureOut">
               <a:rPr lang="ko-KR" altLang="en-US" smtClean="0"/>
-              <a:t>2020-01-15</a:t>
+              <a:t>2020-01-16</a:t>
             </a:fld>
             <a:endParaRPr lang="ko-KR" altLang="en-US"/>
           </a:p>
@@ -2902,7 +2935,7 @@
           <a:p>
             <a:fld id="{D4B58FAA-21F7-4B8C-A176-1E5B0EF4045F}" type="datetimeFigureOut">
               <a:rPr lang="ko-KR" altLang="en-US" smtClean="0"/>
-              <a:t>2020-01-15</a:t>
+              <a:t>2020-01-16</a:t>
             </a:fld>
             <a:endParaRPr lang="ko-KR" altLang="en-US"/>
           </a:p>
@@ -3020,7 +3053,7 @@
           <a:p>
             <a:fld id="{D4B58FAA-21F7-4B8C-A176-1E5B0EF4045F}" type="datetimeFigureOut">
               <a:rPr lang="ko-KR" altLang="en-US" smtClean="0"/>
-              <a:t>2020-01-15</a:t>
+              <a:t>2020-01-16</a:t>
             </a:fld>
             <a:endParaRPr lang="ko-KR" altLang="en-US"/>
           </a:p>
@@ -3115,7 +3148,7 @@
           <a:p>
             <a:fld id="{D4B58FAA-21F7-4B8C-A176-1E5B0EF4045F}" type="datetimeFigureOut">
               <a:rPr lang="ko-KR" altLang="en-US" smtClean="0"/>
-              <a:t>2020-01-15</a:t>
+              <a:t>2020-01-16</a:t>
             </a:fld>
             <a:endParaRPr lang="ko-KR" altLang="en-US"/>
           </a:p>
@@ -3388,7 +3421,7 @@
           <a:p>
             <a:fld id="{D4B58FAA-21F7-4B8C-A176-1E5B0EF4045F}" type="datetimeFigureOut">
               <a:rPr lang="ko-KR" altLang="en-US" smtClean="0"/>
-              <a:t>2020-01-15</a:t>
+              <a:t>2020-01-16</a:t>
             </a:fld>
             <a:endParaRPr lang="ko-KR" altLang="en-US"/>
           </a:p>
@@ -3653,7 +3686,7 @@
           <a:p>
             <a:fld id="{D4B58FAA-21F7-4B8C-A176-1E5B0EF4045F}" type="datetimeFigureOut">
               <a:rPr lang="ko-KR" altLang="en-US" smtClean="0"/>
-              <a:t>2020-01-15</a:t>
+              <a:t>2020-01-16</a:t>
             </a:fld>
             <a:endParaRPr lang="ko-KR" altLang="en-US"/>
           </a:p>
@@ -3902,7 +3935,7 @@
           <a:p>
             <a:fld id="{D4B58FAA-21F7-4B8C-A176-1E5B0EF4045F}" type="datetimeFigureOut">
               <a:rPr lang="ko-KR" altLang="en-US" smtClean="0"/>
-              <a:t>2020-01-15</a:t>
+              <a:t>2020-01-16</a:t>
             </a:fld>
             <a:endParaRPr lang="ko-KR" altLang="en-US"/>
           </a:p>
@@ -4362,7 +4395,7 @@
           <p:cNvPr id="2" name="제목 1">
             <a:extLst>
               <a:ext uri="{FF2B5EF4-FFF2-40B4-BE49-F238E27FC236}">
-                <a16:creationId xmlns:a16="http://schemas.microsoft.com/office/drawing/2014/main" xmlns="" id="{0028B4BC-4750-45A9-8130-0A702B166F6D}"/>
+                <a16:creationId xmlns:a16="http://schemas.microsoft.com/office/drawing/2014/main" id="{0028B4BC-4750-45A9-8130-0A702B166F6D}"/>
               </a:ext>
             </a:extLst>
           </p:cNvPr>
@@ -4394,7 +4427,7 @@
           <p:cNvPr id="3" name="부제목 2">
             <a:extLst>
               <a:ext uri="{FF2B5EF4-FFF2-40B4-BE49-F238E27FC236}">
-                <a16:creationId xmlns:a16="http://schemas.microsoft.com/office/drawing/2014/main" xmlns="" id="{7F2A52C8-3283-49F4-BA8D-058C51721850}"/>
+                <a16:creationId xmlns:a16="http://schemas.microsoft.com/office/drawing/2014/main" id="{7F2A52C8-3283-49F4-BA8D-058C51721850}"/>
               </a:ext>
             </a:extLst>
           </p:cNvPr>
@@ -4405,7 +4438,12 @@
             <p:ph type="subTitle" idx="1"/>
           </p:nvPr>
         </p:nvSpPr>
-        <p:spPr/>
+        <p:spPr>
+          <a:xfrm>
+            <a:off x="1524000" y="4044369"/>
+            <a:ext cx="9144000" cy="1309255"/>
+          </a:xfrm>
+        </p:spPr>
         <p:txBody>
           <a:bodyPr>
             <a:normAutofit/>
@@ -4414,30 +4452,21 @@
           <a:p>
             <a:pPr algn="r"/>
             <a:r>
-              <a:rPr lang="en-US" altLang="ko-KR" sz="2400" dirty="0" smtClean="0"/>
+              <a:rPr lang="en-US" altLang="ko-KR" sz="2400" dirty="0"/>
               <a:t>3</a:t>
             </a:r>
             <a:r>
-              <a:rPr lang="ko-KR" altLang="en-US" sz="2400" dirty="0" smtClean="0"/>
+              <a:rPr lang="ko-KR" altLang="en-US" sz="2400" dirty="0"/>
               <a:t>조</a:t>
             </a:r>
             <a:r>
-              <a:rPr lang="en-US" altLang="ko-KR" sz="2400" dirty="0" smtClean="0"/>
+              <a:rPr lang="en-US" altLang="ko-KR" sz="2400" dirty="0"/>
               <a:t>. </a:t>
             </a:r>
             <a:r>
-              <a:rPr lang="ko-KR" altLang="en-US" sz="2400" dirty="0" smtClean="0"/>
-              <a:t>이소정  </a:t>
-            </a:r>
-            <a:r>
               <a:rPr lang="ko-KR" altLang="en-US" sz="2400" dirty="0"/>
-              <a:t>박민혁  현동엽 </a:t>
-            </a:r>
-            <a:r>
-              <a:rPr lang="ko-KR" altLang="en-US" sz="2400" dirty="0" smtClean="0"/>
-              <a:t> 김대현 </a:t>
-            </a:r>
-            <a:endParaRPr lang="ko-KR" altLang="en-US" sz="2400" dirty="0"/>
+              <a:t>이소정  박민혁  현동엽  김대현 </a:t>
+            </a:r>
           </a:p>
         </p:txBody>
       </p:sp>
@@ -4476,7 +4505,7 @@
           <p:cNvPr id="2" name="제목 1">
             <a:extLst>
               <a:ext uri="{FF2B5EF4-FFF2-40B4-BE49-F238E27FC236}">
-                <a16:creationId xmlns:a16="http://schemas.microsoft.com/office/drawing/2014/main" xmlns="" id="{0028B4BC-4750-45A9-8130-0A702B166F6D}"/>
+                <a16:creationId xmlns:a16="http://schemas.microsoft.com/office/drawing/2014/main" id="{0028B4BC-4750-45A9-8130-0A702B166F6D}"/>
               </a:ext>
             </a:extLst>
           </p:cNvPr>
@@ -4493,7 +4522,7 @@
           <a:lstStyle/>
           <a:p>
             <a:r>
-              <a:rPr lang="en-US" altLang="ko-KR" dirty="0" smtClean="0"/>
+              <a:rPr lang="en-US" altLang="ko-KR" dirty="0"/>
               <a:t>Thank you</a:t>
             </a:r>
             <a:endParaRPr lang="ko-KR" altLang="en-US" dirty="0"/>
@@ -4505,7 +4534,7 @@
           <p:cNvPr id="3" name="부제목 2">
             <a:extLst>
               <a:ext uri="{FF2B5EF4-FFF2-40B4-BE49-F238E27FC236}">
-                <a16:creationId xmlns:a16="http://schemas.microsoft.com/office/drawing/2014/main" xmlns="" id="{7F2A52C8-3283-49F4-BA8D-058C51721850}"/>
+                <a16:creationId xmlns:a16="http://schemas.microsoft.com/office/drawing/2014/main" id="{7F2A52C8-3283-49F4-BA8D-058C51721850}"/>
               </a:ext>
             </a:extLst>
           </p:cNvPr>
@@ -4522,15 +4551,15 @@
           <a:lstStyle/>
           <a:p>
             <a:r>
-              <a:rPr lang="en-US" altLang="ko-KR" dirty="0" smtClean="0"/>
+              <a:rPr lang="en-US" altLang="ko-KR" dirty="0"/>
               <a:t>3</a:t>
             </a:r>
             <a:r>
-              <a:rPr lang="ko-KR" altLang="en-US" dirty="0" smtClean="0"/>
+              <a:rPr lang="ko-KR" altLang="en-US" dirty="0"/>
               <a:t>조였습니다</a:t>
             </a:r>
             <a:r>
-              <a:rPr lang="en-US" altLang="ko-KR" dirty="0" smtClean="0"/>
+              <a:rPr lang="en-US" altLang="ko-KR" dirty="0"/>
               <a:t>.</a:t>
             </a:r>
             <a:endParaRPr lang="ko-KR" altLang="en-US" dirty="0"/>
@@ -4572,7 +4601,7 @@
           <p:cNvPr id="2" name="제목 1">
             <a:extLst>
               <a:ext uri="{FF2B5EF4-FFF2-40B4-BE49-F238E27FC236}">
-                <a16:creationId xmlns:a16="http://schemas.microsoft.com/office/drawing/2014/main" xmlns="" id="{F89C2EA4-9B14-4B06-AF97-D1794B1F0C5A}"/>
+                <a16:creationId xmlns:a16="http://schemas.microsoft.com/office/drawing/2014/main" id="{F89C2EA4-9B14-4B06-AF97-D1794B1F0C5A}"/>
               </a:ext>
             </a:extLst>
           </p:cNvPr>
@@ -4607,7 +4636,7 @@
           <p:cNvPr id="3" name="내용 개체 틀 2">
             <a:extLst>
               <a:ext uri="{FF2B5EF4-FFF2-40B4-BE49-F238E27FC236}">
-                <a16:creationId xmlns:a16="http://schemas.microsoft.com/office/drawing/2014/main" xmlns="" id="{A508FD91-8F2F-4DBD-9035-D09EF0C138FA}"/>
+                <a16:creationId xmlns:a16="http://schemas.microsoft.com/office/drawing/2014/main" id="{A508FD91-8F2F-4DBD-9035-D09EF0C138FA}"/>
               </a:ext>
             </a:extLst>
           </p:cNvPr>
@@ -4630,21 +4659,29 @@
           <a:p>
             <a:r>
               <a:rPr lang="ko-KR" altLang="en-US" sz="2800" dirty="0"/>
-              <a:t>주체 선정 배경 </a:t>
+              <a:t>주제 선정 배경 </a:t>
             </a:r>
             <a:endParaRPr lang="en-US" altLang="ko-KR" sz="2800" dirty="0"/>
           </a:p>
           <a:p>
             <a:r>
               <a:rPr lang="ko-KR" altLang="en-US" sz="2800" dirty="0"/>
-              <a:t>데이터 수집 방법 </a:t>
+              <a:t>활용 데이터 </a:t>
             </a:r>
             <a:endParaRPr lang="en-US" altLang="ko-KR" sz="2800" dirty="0"/>
           </a:p>
           <a:p>
             <a:r>
               <a:rPr lang="ko-KR" altLang="en-US" sz="2800" dirty="0"/>
-              <a:t>모델 유형 </a:t>
+              <a:t>데이터 </a:t>
+            </a:r>
+            <a:r>
+              <a:rPr lang="ko-KR" altLang="en-US" sz="2800" dirty="0" err="1"/>
+              <a:t>전처리</a:t>
+            </a:r>
+            <a:r>
+              <a:rPr lang="ko-KR" altLang="en-US" sz="2800" dirty="0"/>
+              <a:t> 방향 </a:t>
             </a:r>
             <a:endParaRPr lang="en-US" altLang="ko-KR" sz="2800" dirty="0"/>
           </a:p>
@@ -4695,7 +4732,7 @@
           <p:cNvPr id="2" name="제목 1">
             <a:extLst>
               <a:ext uri="{FF2B5EF4-FFF2-40B4-BE49-F238E27FC236}">
-                <a16:creationId xmlns:a16="http://schemas.microsoft.com/office/drawing/2014/main" xmlns="" id="{C4CE73D6-1404-4B96-B4CA-93335093A111}"/>
+                <a16:creationId xmlns:a16="http://schemas.microsoft.com/office/drawing/2014/main" id="{C4CE73D6-1404-4B96-B4CA-93335093A111}"/>
               </a:ext>
             </a:extLst>
           </p:cNvPr>
@@ -4733,7 +4770,7 @@
           <p:cNvPr id="5" name="내용 개체 틀 4">
             <a:extLst>
               <a:ext uri="{FF2B5EF4-FFF2-40B4-BE49-F238E27FC236}">
-                <a16:creationId xmlns:a16="http://schemas.microsoft.com/office/drawing/2014/main" xmlns="" id="{61A3C8F6-0F04-422F-8DD5-CD7A3508CEDE}"/>
+                <a16:creationId xmlns:a16="http://schemas.microsoft.com/office/drawing/2014/main" id="{61A3C8F6-0F04-422F-8DD5-CD7A3508CEDE}"/>
               </a:ext>
             </a:extLst>
           </p:cNvPr>
@@ -4764,7 +4801,7 @@
           <p:cNvPr id="4" name="내용 개체 틀 3">
             <a:extLst>
               <a:ext uri="{FF2B5EF4-FFF2-40B4-BE49-F238E27FC236}">
-                <a16:creationId xmlns:a16="http://schemas.microsoft.com/office/drawing/2014/main" xmlns="" id="{58CCBF7E-A9A0-4898-91A0-D45438305902}"/>
+                <a16:creationId xmlns:a16="http://schemas.microsoft.com/office/drawing/2014/main" id="{58CCBF7E-A9A0-4898-91A0-D45438305902}"/>
               </a:ext>
             </a:extLst>
           </p:cNvPr>
@@ -4828,7 +4865,7 @@
           <p:cNvPr id="6" name="타원 5">
             <a:extLst>
               <a:ext uri="{FF2B5EF4-FFF2-40B4-BE49-F238E27FC236}">
-                <a16:creationId xmlns:a16="http://schemas.microsoft.com/office/drawing/2014/main" xmlns="" id="{A50D093C-6CCF-4C83-B1E8-82D2EDD61E35}"/>
+                <a16:creationId xmlns:a16="http://schemas.microsoft.com/office/drawing/2014/main" id="{A50D093C-6CCF-4C83-B1E8-82D2EDD61E35}"/>
               </a:ext>
             </a:extLst>
           </p:cNvPr>
@@ -4880,7 +4917,7 @@
           <p:cNvPr id="7" name="타원 6">
             <a:extLst>
               <a:ext uri="{FF2B5EF4-FFF2-40B4-BE49-F238E27FC236}">
-                <a16:creationId xmlns:a16="http://schemas.microsoft.com/office/drawing/2014/main" xmlns="" id="{D34D656C-90C4-47EA-8564-C7378A856A56}"/>
+                <a16:creationId xmlns:a16="http://schemas.microsoft.com/office/drawing/2014/main" id="{D34D656C-90C4-47EA-8564-C7378A856A56}"/>
               </a:ext>
             </a:extLst>
           </p:cNvPr>
@@ -4932,7 +4969,7 @@
           <p:cNvPr id="8" name="TextBox 7">
             <a:extLst>
               <a:ext uri="{FF2B5EF4-FFF2-40B4-BE49-F238E27FC236}">
-                <a16:creationId xmlns:a16="http://schemas.microsoft.com/office/drawing/2014/main" xmlns="" id="{411405F8-223A-45D1-AED4-4B8964CA105A}"/>
+                <a16:creationId xmlns:a16="http://schemas.microsoft.com/office/drawing/2014/main" id="{411405F8-223A-45D1-AED4-4B8964CA105A}"/>
               </a:ext>
             </a:extLst>
           </p:cNvPr>
@@ -4983,7 +5020,7 @@
           <p:cNvPr id="9" name="그림 8">
             <a:extLst>
               <a:ext uri="{FF2B5EF4-FFF2-40B4-BE49-F238E27FC236}">
-                <a16:creationId xmlns:a16="http://schemas.microsoft.com/office/drawing/2014/main" xmlns="" id="{0F5A6D27-31B5-4C50-9561-26016A4F8997}"/>
+                <a16:creationId xmlns:a16="http://schemas.microsoft.com/office/drawing/2014/main" id="{0F5A6D27-31B5-4C50-9561-26016A4F8997}"/>
               </a:ext>
             </a:extLst>
           </p:cNvPr>
@@ -5043,7 +5080,7 @@
           <p:cNvPr id="2" name="제목 1">
             <a:extLst>
               <a:ext uri="{FF2B5EF4-FFF2-40B4-BE49-F238E27FC236}">
-                <a16:creationId xmlns:a16="http://schemas.microsoft.com/office/drawing/2014/main" xmlns="" id="{5573004E-1D02-4C3C-9DF7-AFE37041D6EA}"/>
+                <a16:creationId xmlns:a16="http://schemas.microsoft.com/office/drawing/2014/main" id="{5573004E-1D02-4C3C-9DF7-AFE37041D6EA}"/>
               </a:ext>
             </a:extLst>
           </p:cNvPr>
@@ -5096,7 +5133,7 @@
           <p:cNvPr id="6" name="차트 5">
             <a:extLst>
               <a:ext uri="{FF2B5EF4-FFF2-40B4-BE49-F238E27FC236}">
-                <a16:creationId xmlns:a16="http://schemas.microsoft.com/office/drawing/2014/main" xmlns="" id="{B89E0E87-DBE9-4881-BA52-8B69ED915A5F}"/>
+                <a16:creationId xmlns:a16="http://schemas.microsoft.com/office/drawing/2014/main" id="{B89E0E87-DBE9-4881-BA52-8B69ED915A5F}"/>
               </a:ext>
             </a:extLst>
           </p:cNvPr>
@@ -5190,7 +5227,7 @@
           <p:cNvPr id="5" name="내용 개체 틀 3">
             <a:extLst>
               <a:ext uri="{FF2B5EF4-FFF2-40B4-BE49-F238E27FC236}">
-                <a16:creationId xmlns:a16="http://schemas.microsoft.com/office/drawing/2014/main" xmlns="" id="{58CCBF7E-A9A0-4898-91A0-D45438305902}"/>
+                <a16:creationId xmlns:a16="http://schemas.microsoft.com/office/drawing/2014/main" id="{58CCBF7E-A9A0-4898-91A0-D45438305902}"/>
               </a:ext>
             </a:extLst>
           </p:cNvPr>
@@ -5222,10 +5259,10 @@
               </a:lnSpc>
             </a:pPr>
             <a:r>
-              <a:rPr lang="ko-KR" altLang="en-US" sz="2000" dirty="0" smtClean="0"/>
+              <a:rPr lang="ko-KR" altLang="en-US" sz="2000" dirty="0"/>
               <a:t>요일마다 배출 목록이 정해져 있음</a:t>
             </a:r>
-            <a:endParaRPr lang="en-US" altLang="ko-KR" sz="2000" dirty="0" smtClean="0"/>
+            <a:endParaRPr lang="en-US" altLang="ko-KR" sz="2000" dirty="0"/>
           </a:p>
           <a:p>
             <a:pPr>
@@ -5234,19 +5271,19 @@
               </a:lnSpc>
             </a:pPr>
             <a:r>
-              <a:rPr lang="ko-KR" altLang="en-US" sz="2000" dirty="0" smtClean="0"/>
+              <a:rPr lang="ko-KR" altLang="en-US" sz="2000" dirty="0"/>
               <a:t>만족 </a:t>
             </a:r>
             <a:r>
-              <a:rPr lang="en-US" altLang="ko-KR" sz="2000" dirty="0" smtClean="0"/>
+              <a:rPr lang="en-US" altLang="ko-KR" sz="2000" dirty="0"/>
               <a:t>46.4 , </a:t>
             </a:r>
             <a:r>
-              <a:rPr lang="ko-KR" altLang="en-US" sz="2000" dirty="0" smtClean="0"/>
+              <a:rPr lang="ko-KR" altLang="en-US" sz="2000" dirty="0"/>
               <a:t>불만족 </a:t>
             </a:r>
             <a:r>
-              <a:rPr lang="en-US" altLang="ko-KR" sz="2000" dirty="0" smtClean="0"/>
+              <a:rPr lang="en-US" altLang="ko-KR" sz="2000" dirty="0"/>
               <a:t>33.7%</a:t>
             </a:r>
             <a:endParaRPr lang="ko-KR" altLang="en-US" sz="2000" dirty="0"/>
@@ -5263,13 +5300,6 @@
   <p:clrMapOvr>
     <a:masterClrMapping/>
   </p:clrMapOvr>
-  <p:timing>
-    <p:tnLst>
-      <p:par>
-        <p:cTn id="1" dur="indefinite" restart="never" nodeType="tmRoot"/>
-      </p:par>
-    </p:tnLst>
-  </p:timing>
 </p:sld>
 </file>
 
@@ -5306,18 +5336,17 @@
           <a:lstStyle/>
           <a:p>
             <a:r>
-              <a:rPr lang="ko-KR" altLang="en-US" dirty="0" smtClean="0"/>
+              <a:rPr lang="ko-KR" altLang="en-US" dirty="0"/>
               <a:t>주제 선정 배경 </a:t>
             </a:r>
             <a:r>
-              <a:rPr lang="en-US" altLang="ko-KR" dirty="0" smtClean="0"/>
+              <a:rPr lang="en-US" altLang="ko-KR" dirty="0"/>
               <a:t>– </a:t>
             </a:r>
             <a:r>
-              <a:rPr lang="ko-KR" altLang="en-US" dirty="0" smtClean="0"/>
+              <a:rPr lang="ko-KR" altLang="en-US" dirty="0"/>
               <a:t>재활용도움센터</a:t>
             </a:r>
-            <a:endParaRPr lang="ko-KR" altLang="en-US" dirty="0"/>
           </a:p>
         </p:txBody>
       </p:sp>
@@ -5518,7 +5547,7 @@
           <p:cNvPr id="10" name="TextBox 9">
             <a:extLst>
               <a:ext uri="{FF2B5EF4-FFF2-40B4-BE49-F238E27FC236}">
-                <a16:creationId xmlns:a16="http://schemas.microsoft.com/office/drawing/2014/main" xmlns="" id="{411405F8-223A-45D1-AED4-4B8964CA105A}"/>
+                <a16:creationId xmlns:a16="http://schemas.microsoft.com/office/drawing/2014/main" id="{411405F8-223A-45D1-AED4-4B8964CA105A}"/>
               </a:ext>
             </a:extLst>
           </p:cNvPr>
@@ -5542,14 +5571,13 @@
           <a:lstStyle/>
           <a:p>
             <a:r>
-              <a:rPr lang="ko-KR" altLang="en-US" sz="1050" dirty="0" smtClean="0"/>
+              <a:rPr lang="ko-KR" altLang="en-US" sz="1050" dirty="0"/>
               <a:t>출처</a:t>
             </a:r>
             <a:r>
-              <a:rPr lang="en-US" altLang="ko-KR" sz="1050" dirty="0" smtClean="0"/>
+              <a:rPr lang="en-US" altLang="ko-KR" sz="1050" dirty="0"/>
               <a:t>) KBS NEWS</a:t>
             </a:r>
-            <a:endParaRPr lang="en-US" altLang="ko-KR" sz="1050" dirty="0"/>
           </a:p>
         </p:txBody>
       </p:sp>
@@ -5563,13 +5591,6 @@
   <p:clrMapOvr>
     <a:masterClrMapping/>
   </p:clrMapOvr>
-  <p:timing>
-    <p:tnLst>
-      <p:par>
-        <p:cTn id="1" dur="indefinite" restart="never" nodeType="tmRoot"/>
-      </p:par>
-    </p:tnLst>
-  </p:timing>
 </p:sld>
 </file>
 
@@ -5595,7 +5616,7 @@
           <p:cNvPr id="2" name="제목 1">
             <a:extLst>
               <a:ext uri="{FF2B5EF4-FFF2-40B4-BE49-F238E27FC236}">
-                <a16:creationId xmlns:a16="http://schemas.microsoft.com/office/drawing/2014/main" xmlns="" id="{5573004E-1D02-4C3C-9DF7-AFE37041D6EA}"/>
+                <a16:creationId xmlns:a16="http://schemas.microsoft.com/office/drawing/2014/main" id="{5573004E-1D02-4C3C-9DF7-AFE37041D6EA}"/>
               </a:ext>
             </a:extLst>
           </p:cNvPr>
@@ -5628,7 +5649,7 @@
           <p:cNvPr id="3" name="TextBox 2">
             <a:extLst>
               <a:ext uri="{FF2B5EF4-FFF2-40B4-BE49-F238E27FC236}">
-                <a16:creationId xmlns:a16="http://schemas.microsoft.com/office/drawing/2014/main" xmlns="" id="{37142759-29C7-433E-8133-CBF64B055EC9}"/>
+                <a16:creationId xmlns:a16="http://schemas.microsoft.com/office/drawing/2014/main" id="{37142759-29C7-433E-8133-CBF64B055EC9}"/>
               </a:ext>
             </a:extLst>
           </p:cNvPr>
@@ -5656,12 +5677,8 @@
               <a:t>ㅇ</a:t>
             </a:r>
             <a:r>
-              <a:rPr lang="ko-KR" altLang="en-US" sz="2000" dirty="0" smtClean="0"/>
-              <a:t> </a:t>
-            </a:r>
-            <a:r>
               <a:rPr lang="ko-KR" altLang="en-US" sz="2000" dirty="0"/>
-              <a:t>제주도 </a:t>
+              <a:t> 제주도 </a:t>
             </a:r>
             <a:r>
               <a:rPr lang="ko-KR" altLang="en-US" sz="2000" dirty="0" err="1"/>
@@ -5683,11 +5700,7 @@
             </a:r>
             <a:r>
               <a:rPr lang="ko-KR" altLang="en-US" sz="2000" dirty="0"/>
-              <a:t> 제주도 </a:t>
-            </a:r>
-            <a:r>
-              <a:rPr lang="ko-KR" altLang="en-US" sz="2000" dirty="0"/>
-              <a:t>재활용도움센터 현황</a:t>
+              <a:t> 제주도 재활용도움센터 현황</a:t>
             </a:r>
             <a:endParaRPr lang="en-US" altLang="ko-KR" sz="2000" dirty="0"/>
           </a:p>
@@ -5701,11 +5714,7 @@
             </a:r>
             <a:r>
               <a:rPr lang="ko-KR" altLang="en-US" sz="2000" dirty="0"/>
-              <a:t> 제주도 </a:t>
-            </a:r>
-            <a:r>
-              <a:rPr lang="ko-KR" altLang="en-US" sz="2000" dirty="0"/>
-              <a:t>지역별 거주인구</a:t>
+              <a:t> 제주도 지역별 거주인구</a:t>
             </a:r>
             <a:endParaRPr lang="en-US" altLang="ko-KR" sz="2000" dirty="0"/>
           </a:p>
@@ -5719,11 +5728,11 @@
             </a:r>
             <a:r>
               <a:rPr lang="ko-KR" altLang="en-US" sz="2000" dirty="0"/>
-              <a:t> 제주도 </a:t>
-            </a:r>
-            <a:r>
-              <a:rPr lang="ko-KR" altLang="en-US" sz="2000" dirty="0"/>
-              <a:t>지역별 쓰레기배출 현황</a:t>
+              <a:t> 제주도 지역별 </a:t>
+            </a:r>
+            <a:r>
+              <a:rPr lang="ko-KR" altLang="en-US" sz="2000" dirty="0" err="1"/>
+              <a:t>점포수</a:t>
             </a:r>
             <a:endParaRPr lang="en-US" altLang="ko-KR" sz="2000" dirty="0"/>
           </a:p>
@@ -5737,17 +5746,24 @@
             </a:r>
             <a:r>
               <a:rPr lang="ko-KR" altLang="en-US" sz="2000" dirty="0"/>
-              <a:t> 제주도 </a:t>
+              <a:t> </a:t>
+            </a:r>
+            <a:r>
+              <a:rPr lang="en-US" altLang="ko-KR" sz="2000" dirty="0"/>
+              <a:t>1</a:t>
             </a:r>
             <a:r>
               <a:rPr lang="ko-KR" altLang="en-US" sz="2000" dirty="0"/>
-              <a:t>지역별 </a:t>
-            </a:r>
-            <a:r>
-              <a:rPr lang="ko-KR" altLang="en-US" sz="2000" dirty="0" err="1"/>
-              <a:t>점포수</a:t>
-            </a:r>
-            <a:endParaRPr lang="ko-KR" altLang="en-US" sz="2000" dirty="0"/>
+              <a:t>인당</a:t>
+            </a:r>
+            <a:r>
+              <a:rPr lang="en-US" altLang="ko-KR" sz="2000" dirty="0"/>
+              <a:t>/1</a:t>
+            </a:r>
+            <a:r>
+              <a:rPr lang="ko-KR" altLang="en-US" sz="2000" dirty="0"/>
+              <a:t>일당 쓰레기 배출량</a:t>
+            </a:r>
           </a:p>
         </p:txBody>
       </p:sp>
@@ -5761,13 +5777,6 @@
   <p:clrMapOvr>
     <a:masterClrMapping/>
   </p:clrMapOvr>
-  <p:timing>
-    <p:tnLst>
-      <p:par>
-        <p:cTn id="1" dur="indefinite" restart="never" nodeType="tmRoot"/>
-      </p:par>
-    </p:tnLst>
-  </p:timing>
 </p:sld>
 </file>
 
@@ -5793,7 +5802,7 @@
           <p:cNvPr id="2" name="제목 1">
             <a:extLst>
               <a:ext uri="{FF2B5EF4-FFF2-40B4-BE49-F238E27FC236}">
-                <a16:creationId xmlns:a16="http://schemas.microsoft.com/office/drawing/2014/main" xmlns="" id="{5573004E-1D02-4C3C-9DF7-AFE37041D6EA}"/>
+                <a16:creationId xmlns:a16="http://schemas.microsoft.com/office/drawing/2014/main" id="{5573004E-1D02-4C3C-9DF7-AFE37041D6EA}"/>
               </a:ext>
             </a:extLst>
           </p:cNvPr>
@@ -5822,7 +5831,10 @@
               <a:rPr lang="ko-KR" altLang="en-US" dirty="0" err="1"/>
               <a:t>전처리</a:t>
             </a:r>
-            <a:endParaRPr lang="ko-KR" altLang="en-US" dirty="0"/>
+            <a:r>
+              <a:rPr lang="ko-KR" altLang="en-US" dirty="0"/>
+              <a:t> 방향</a:t>
+            </a:r>
           </a:p>
         </p:txBody>
       </p:sp>
@@ -5831,7 +5843,7 @@
           <p:cNvPr id="4" name="TextBox 3">
             <a:extLst>
               <a:ext uri="{FF2B5EF4-FFF2-40B4-BE49-F238E27FC236}">
-                <a16:creationId xmlns:a16="http://schemas.microsoft.com/office/drawing/2014/main" xmlns="" id="{7D43268F-77D9-4E9D-B184-9A8C0360E789}"/>
+                <a16:creationId xmlns:a16="http://schemas.microsoft.com/office/drawing/2014/main" id="{7D43268F-77D9-4E9D-B184-9A8C0360E789}"/>
               </a:ext>
             </a:extLst>
           </p:cNvPr>
@@ -5840,8 +5852,8 @@
         </p:nvSpPr>
         <p:spPr>
           <a:xfrm>
-            <a:off x="575187" y="2330245"/>
-            <a:ext cx="9276736" cy="1938992"/>
+            <a:off x="575187" y="1929195"/>
+            <a:ext cx="9276736" cy="5122941"/>
           </a:xfrm>
           <a:prstGeom prst="rect">
             <a:avLst/>
@@ -5854,6 +5866,11 @@
           </a:bodyPr>
           <a:lstStyle/>
           <a:p>
+            <a:pPr>
+              <a:lnSpc>
+                <a:spcPct val="150000"/>
+              </a:lnSpc>
+            </a:pPr>
             <a:r>
               <a:rPr lang="ko-KR" altLang="en-US" sz="2000" dirty="0" err="1"/>
               <a:t>ㅇ</a:t>
@@ -5868,17 +5885,27 @@
             </a:r>
             <a:r>
               <a:rPr lang="ko-KR" altLang="en-US" sz="2000" dirty="0"/>
-              <a:t>점포 수와  쓰레기 배출량 상관 관계 분석</a:t>
+              <a:t>점포 수와 쓰레기 배출량 상관 관계 분석</a:t>
             </a:r>
             <a:endParaRPr lang="en-US" altLang="ko-KR" sz="2000" dirty="0"/>
           </a:p>
           <a:p>
+            <a:pPr>
+              <a:lnSpc>
+                <a:spcPct val="150000"/>
+              </a:lnSpc>
+            </a:pPr>
             <a:r>
               <a:rPr lang="en-US" altLang="ko-KR" sz="2000" dirty="0"/>
               <a:t>  </a:t>
             </a:r>
           </a:p>
           <a:p>
+            <a:pPr>
+              <a:lnSpc>
+                <a:spcPct val="150000"/>
+              </a:lnSpc>
+            </a:pPr>
             <a:r>
               <a:rPr lang="ko-KR" altLang="en-US" sz="2000" dirty="0" err="1"/>
               <a:t>ㅇ</a:t>
@@ -5906,9 +5933,19 @@
             <a:endParaRPr lang="en-US" altLang="ko-KR" sz="2000" dirty="0"/>
           </a:p>
           <a:p>
+            <a:pPr>
+              <a:lnSpc>
+                <a:spcPct val="150000"/>
+              </a:lnSpc>
+            </a:pPr>
             <a:endParaRPr lang="en-US" altLang="ko-KR" sz="2000" dirty="0"/>
           </a:p>
           <a:p>
+            <a:pPr>
+              <a:lnSpc>
+                <a:spcPct val="150000"/>
+              </a:lnSpc>
+            </a:pPr>
             <a:r>
               <a:rPr lang="ko-KR" altLang="en-US" sz="2000" dirty="0" err="1"/>
               <a:t>ㅇ</a:t>
@@ -5943,6 +5980,130 @@
             </a:r>
           </a:p>
           <a:p>
+            <a:pPr>
+              <a:lnSpc>
+                <a:spcPct val="150000"/>
+              </a:lnSpc>
+            </a:pPr>
+            <a:r>
+              <a:rPr lang="en-US" altLang="ko-KR" sz="2000"/>
+              <a:t>   </a:t>
+            </a:r>
+          </a:p>
+          <a:p>
+            <a:pPr>
+              <a:lnSpc>
+                <a:spcPct val="150000"/>
+              </a:lnSpc>
+            </a:pPr>
+            <a:endParaRPr lang="en-US" altLang="ko-KR" sz="2000" dirty="0"/>
+          </a:p>
+          <a:p>
+            <a:pPr>
+              <a:lnSpc>
+                <a:spcPct val="150000"/>
+              </a:lnSpc>
+            </a:pPr>
+            <a:r>
+              <a:rPr lang="en-US" altLang="ko-KR" sz="2000" dirty="0">
+                <a:sym typeface="Wingdings" panose="05000000000000000000" pitchFamily="2" charset="2"/>
+              </a:rPr>
+              <a:t>   </a:t>
+            </a:r>
+            <a:r>
+              <a:rPr lang="ko-KR" altLang="en-US" sz="2000" dirty="0">
+                <a:sym typeface="Wingdings" panose="05000000000000000000" pitchFamily="2" charset="2"/>
+              </a:rPr>
+              <a:t>지역별 쓰레기 배출량 파악</a:t>
+            </a:r>
+            <a:endParaRPr lang="en-US" altLang="ko-KR" sz="2000" dirty="0">
+              <a:sym typeface="Wingdings" panose="05000000000000000000" pitchFamily="2" charset="2"/>
+            </a:endParaRPr>
+          </a:p>
+          <a:p>
+            <a:pPr>
+              <a:lnSpc>
+                <a:spcPct val="150000"/>
+              </a:lnSpc>
+            </a:pPr>
+            <a:r>
+              <a:rPr lang="en-US" altLang="ko-KR" sz="2000" dirty="0">
+                <a:sym typeface="Wingdings" panose="05000000000000000000" pitchFamily="2" charset="2"/>
+              </a:rPr>
+              <a:t>   </a:t>
+            </a:r>
+            <a:r>
+              <a:rPr lang="ko-KR" altLang="en-US" sz="2000" dirty="0">
+                <a:sym typeface="Wingdings" panose="05000000000000000000" pitchFamily="2" charset="2"/>
+              </a:rPr>
+              <a:t>기존의 </a:t>
+            </a:r>
+            <a:r>
+              <a:rPr lang="ko-KR" altLang="en-US" sz="2000" dirty="0" err="1">
+                <a:sym typeface="Wingdings" panose="05000000000000000000" pitchFamily="2" charset="2"/>
+              </a:rPr>
+              <a:t>재활용도움센터</a:t>
+            </a:r>
+            <a:r>
+              <a:rPr lang="ko-KR" altLang="en-US" sz="2000" dirty="0">
+                <a:sym typeface="Wingdings" panose="05000000000000000000" pitchFamily="2" charset="2"/>
+              </a:rPr>
+              <a:t> 위치를 바탕으로 지역 인구밀집도</a:t>
+            </a:r>
+            <a:r>
+              <a:rPr lang="en-US" altLang="ko-KR" sz="2000" dirty="0">
+                <a:sym typeface="Wingdings" panose="05000000000000000000" pitchFamily="2" charset="2"/>
+              </a:rPr>
+              <a:t>, </a:t>
+            </a:r>
+            <a:r>
+              <a:rPr lang="ko-KR" altLang="en-US" sz="2000" dirty="0">
+                <a:sym typeface="Wingdings" panose="05000000000000000000" pitchFamily="2" charset="2"/>
+              </a:rPr>
+              <a:t>쓰레기 배출량을        </a:t>
+            </a:r>
+            <a:endParaRPr lang="en-US" altLang="ko-KR" sz="2000" dirty="0">
+              <a:sym typeface="Wingdings" panose="05000000000000000000" pitchFamily="2" charset="2"/>
+            </a:endParaRPr>
+          </a:p>
+          <a:p>
+            <a:pPr>
+              <a:lnSpc>
+                <a:spcPct val="150000"/>
+              </a:lnSpc>
+            </a:pPr>
+            <a:r>
+              <a:rPr lang="en-US" altLang="ko-KR" sz="2000" dirty="0">
+                <a:sym typeface="Wingdings" panose="05000000000000000000" pitchFamily="2" charset="2"/>
+              </a:rPr>
+              <a:t>         </a:t>
+            </a:r>
+            <a:r>
+              <a:rPr lang="ko-KR" altLang="en-US" sz="2000" dirty="0">
+                <a:sym typeface="Wingdings" panose="05000000000000000000" pitchFamily="2" charset="2"/>
+              </a:rPr>
+              <a:t>비교하여 </a:t>
+            </a:r>
+            <a:r>
+              <a:rPr lang="ko-KR" altLang="en-US" sz="2000" dirty="0" err="1">
+                <a:sym typeface="Wingdings" panose="05000000000000000000" pitchFamily="2" charset="2"/>
+              </a:rPr>
+              <a:t>재활용도움센터의</a:t>
+            </a:r>
+            <a:r>
+              <a:rPr lang="ko-KR" altLang="en-US" sz="2000" dirty="0">
+                <a:sym typeface="Wingdings" panose="05000000000000000000" pitchFamily="2" charset="2"/>
+              </a:rPr>
+              <a:t> 추가 설치 필요지역 탐색</a:t>
+            </a:r>
+            <a:endParaRPr lang="en-US" altLang="ko-KR" sz="2000" dirty="0"/>
+          </a:p>
+          <a:p>
+            <a:pPr>
+              <a:lnSpc>
+                <a:spcPct val="150000"/>
+              </a:lnSpc>
+            </a:pPr>
             <a:r>
               <a:rPr lang="en-US" altLang="ko-KR" sz="2000" dirty="0"/>
               <a:t>  </a:t>
@@ -5960,13 +6121,6 @@
   <p:clrMapOvr>
     <a:masterClrMapping/>
   </p:clrMapOvr>
-  <p:timing>
-    <p:tnLst>
-      <p:par>
-        <p:cTn id="1" dur="indefinite" restart="never" nodeType="tmRoot"/>
-      </p:par>
-    </p:tnLst>
-  </p:timing>
 </p:sld>
 </file>
 
@@ -5992,7 +6146,7 @@
           <p:cNvPr id="2" name="제목 1">
             <a:extLst>
               <a:ext uri="{FF2B5EF4-FFF2-40B4-BE49-F238E27FC236}">
-                <a16:creationId xmlns:a16="http://schemas.microsoft.com/office/drawing/2014/main" xmlns="" id="{5573004E-1D02-4C3C-9DF7-AFE37041D6EA}"/>
+                <a16:creationId xmlns:a16="http://schemas.microsoft.com/office/drawing/2014/main" id="{5573004E-1D02-4C3C-9DF7-AFE37041D6EA}"/>
               </a:ext>
             </a:extLst>
           </p:cNvPr>
@@ -6025,7 +6179,7 @@
           <p:cNvPr id="4" name="TextBox 3">
             <a:extLst>
               <a:ext uri="{FF2B5EF4-FFF2-40B4-BE49-F238E27FC236}">
-                <a16:creationId xmlns:a16="http://schemas.microsoft.com/office/drawing/2014/main" xmlns="" id="{7D43268F-77D9-4E9D-B184-9A8C0360E789}"/>
+                <a16:creationId xmlns:a16="http://schemas.microsoft.com/office/drawing/2014/main" id="{7D43268F-77D9-4E9D-B184-9A8C0360E789}"/>
               </a:ext>
             </a:extLst>
           </p:cNvPr>
@@ -6138,7 +6292,7 @@
           <p:cNvPr id="2" name="제목 1">
             <a:extLst>
               <a:ext uri="{FF2B5EF4-FFF2-40B4-BE49-F238E27FC236}">
-                <a16:creationId xmlns:a16="http://schemas.microsoft.com/office/drawing/2014/main" xmlns="" id="{0028B4BC-4750-45A9-8130-0A702B166F6D}"/>
+                <a16:creationId xmlns:a16="http://schemas.microsoft.com/office/drawing/2014/main" id="{0028B4BC-4750-45A9-8130-0A702B166F6D}"/>
               </a:ext>
             </a:extLst>
           </p:cNvPr>
@@ -6157,7 +6311,7 @@
           <a:lstStyle/>
           <a:p>
             <a:r>
-              <a:rPr lang="en-US" altLang="ko-KR" sz="8000" dirty="0" smtClean="0"/>
+              <a:rPr lang="en-US" altLang="ko-KR" sz="8000" dirty="0"/>
               <a:t>Q&amp;A</a:t>
             </a:r>
             <a:endParaRPr lang="ko-KR" altLang="en-US" sz="8000" dirty="0"/>
@@ -6433,7 +6587,7 @@
   <a:extraClrSchemeLst/>
   <a:extLst>
     <a:ext uri="{05A4C25C-085E-4340-85A3-A5531E510DB2}">
-      <thm15:themeFamily xmlns:thm15="http://schemas.microsoft.com/office/thememl/2012/main" xmlns="" name="Banded" id="{98DFF888-2449-4D28-977C-6306C017633E}" vid="{9792607F-9579-4224-82FF-9C88C3E1E53D}"/>
+      <thm15:themeFamily xmlns:thm15="http://schemas.microsoft.com/office/thememl/2012/main" name="Banded" id="{98DFF888-2449-4D28-977C-6306C017633E}" vid="{9792607F-9579-4224-82FF-9C88C3E1E53D}"/>
     </a:ext>
   </a:extLst>
 </a:theme>

--- a/재활용도움센터 위치 선정.pptx
+++ b/재활용도움센터 위치 선정.pptx
@@ -7,14 +7,16 @@
   <p:sldIdLst>
     <p:sldId id="256" r:id="rId2"/>
     <p:sldId id="257" r:id="rId3"/>
-    <p:sldId id="258" r:id="rId4"/>
-    <p:sldId id="259" r:id="rId5"/>
-    <p:sldId id="265" r:id="rId6"/>
-    <p:sldId id="260" r:id="rId7"/>
-    <p:sldId id="261" r:id="rId8"/>
-    <p:sldId id="262" r:id="rId9"/>
-    <p:sldId id="263" r:id="rId10"/>
-    <p:sldId id="264" r:id="rId11"/>
+    <p:sldId id="267" r:id="rId4"/>
+    <p:sldId id="258" r:id="rId5"/>
+    <p:sldId id="259" r:id="rId6"/>
+    <p:sldId id="265" r:id="rId7"/>
+    <p:sldId id="260" r:id="rId8"/>
+    <p:sldId id="261" r:id="rId9"/>
+    <p:sldId id="262" r:id="rId10"/>
+    <p:sldId id="266" r:id="rId11"/>
+    <p:sldId id="263" r:id="rId12"/>
+    <p:sldId id="264" r:id="rId13"/>
   </p:sldIdLst>
   <p:sldSz cx="12192000" cy="6858000"/>
   <p:notesSz cx="6858000" cy="9144000"/>
@@ -4505,6 +4507,1080 @@
           <p:cNvPr id="2" name="제목 1">
             <a:extLst>
               <a:ext uri="{FF2B5EF4-FFF2-40B4-BE49-F238E27FC236}">
+                <a16:creationId xmlns:a16="http://schemas.microsoft.com/office/drawing/2014/main" id="{E9170B64-D676-4579-A523-02123E8BD4D4}"/>
+              </a:ext>
+            </a:extLst>
+          </p:cNvPr>
+          <p:cNvSpPr>
+            <a:spLocks noGrp="1"/>
+          </p:cNvSpPr>
+          <p:nvPr>
+            <p:ph type="title"/>
+          </p:nvPr>
+        </p:nvSpPr>
+        <p:spPr/>
+        <p:txBody>
+          <a:bodyPr/>
+          <a:lstStyle/>
+          <a:p>
+            <a:r>
+              <a:rPr lang="ko-KR" altLang="en-US" dirty="0"/>
+              <a:t>프로젝트 일정</a:t>
+            </a:r>
+          </a:p>
+        </p:txBody>
+      </p:sp>
+      <p:sp>
+        <p:nvSpPr>
+          <p:cNvPr id="23" name="자유형: 도형 22">
+            <a:extLst>
+              <a:ext uri="{FF2B5EF4-FFF2-40B4-BE49-F238E27FC236}">
+                <a16:creationId xmlns:a16="http://schemas.microsoft.com/office/drawing/2014/main" id="{9734687E-24ED-4766-B7D1-7DC97F943495}"/>
+              </a:ext>
+            </a:extLst>
+          </p:cNvPr>
+          <p:cNvSpPr/>
+          <p:nvPr/>
+        </p:nvSpPr>
+        <p:spPr>
+          <a:xfrm>
+            <a:off x="447701" y="2483618"/>
+            <a:ext cx="10901367" cy="1090568"/>
+          </a:xfrm>
+          <a:custGeom>
+            <a:avLst/>
+            <a:gdLst>
+              <a:gd name="connsiteX0" fmla="*/ 7264853 w 10821796"/>
+              <a:gd name="connsiteY0" fmla="*/ 272642 h 1090568"/>
+              <a:gd name="connsiteX1" fmla="*/ 8594501 w 10821796"/>
+              <a:gd name="connsiteY1" fmla="*/ 272642 h 1090568"/>
+              <a:gd name="connsiteX2" fmla="*/ 8594501 w 10821796"/>
+              <a:gd name="connsiteY2" fmla="*/ 817926 h 1090568"/>
+              <a:gd name="connsiteX3" fmla="*/ 7264853 w 10821796"/>
+              <a:gd name="connsiteY3" fmla="*/ 817926 h 1090568"/>
+              <a:gd name="connsiteX4" fmla="*/ 5826148 w 10821796"/>
+              <a:gd name="connsiteY4" fmla="*/ 272642 h 1090568"/>
+              <a:gd name="connsiteX5" fmla="*/ 7155796 w 10821796"/>
+              <a:gd name="connsiteY5" fmla="*/ 272642 h 1090568"/>
+              <a:gd name="connsiteX6" fmla="*/ 7155796 w 10821796"/>
+              <a:gd name="connsiteY6" fmla="*/ 817926 h 1090568"/>
+              <a:gd name="connsiteX7" fmla="*/ 5826148 w 10821796"/>
+              <a:gd name="connsiteY7" fmla="*/ 817926 h 1090568"/>
+              <a:gd name="connsiteX8" fmla="*/ 4387438 w 10821796"/>
+              <a:gd name="connsiteY8" fmla="*/ 272642 h 1090568"/>
+              <a:gd name="connsiteX9" fmla="*/ 5717091 w 10821796"/>
+              <a:gd name="connsiteY9" fmla="*/ 272642 h 1090568"/>
+              <a:gd name="connsiteX10" fmla="*/ 5717091 w 10821796"/>
+              <a:gd name="connsiteY10" fmla="*/ 817926 h 1090568"/>
+              <a:gd name="connsiteX11" fmla="*/ 4387438 w 10821796"/>
+              <a:gd name="connsiteY11" fmla="*/ 817926 h 1090568"/>
+              <a:gd name="connsiteX12" fmla="*/ 2948729 w 10821796"/>
+              <a:gd name="connsiteY12" fmla="*/ 272642 h 1090568"/>
+              <a:gd name="connsiteX13" fmla="*/ 4278381 w 10821796"/>
+              <a:gd name="connsiteY13" fmla="*/ 272642 h 1090568"/>
+              <a:gd name="connsiteX14" fmla="*/ 4278381 w 10821796"/>
+              <a:gd name="connsiteY14" fmla="*/ 817926 h 1090568"/>
+              <a:gd name="connsiteX15" fmla="*/ 2948729 w 10821796"/>
+              <a:gd name="connsiteY15" fmla="*/ 817926 h 1090568"/>
+              <a:gd name="connsiteX16" fmla="*/ 1501629 w 10821796"/>
+              <a:gd name="connsiteY16" fmla="*/ 272642 h 1090568"/>
+              <a:gd name="connsiteX17" fmla="*/ 2839672 w 10821796"/>
+              <a:gd name="connsiteY17" fmla="*/ 272642 h 1090568"/>
+              <a:gd name="connsiteX18" fmla="*/ 2839672 w 10821796"/>
+              <a:gd name="connsiteY18" fmla="*/ 817926 h 1090568"/>
+              <a:gd name="connsiteX19" fmla="*/ 1501629 w 10821796"/>
+              <a:gd name="connsiteY19" fmla="*/ 817926 h 1090568"/>
+              <a:gd name="connsiteX20" fmla="*/ 0 w 10821796"/>
+              <a:gd name="connsiteY20" fmla="*/ 272642 h 1090568"/>
+              <a:gd name="connsiteX21" fmla="*/ 1392572 w 10821796"/>
+              <a:gd name="connsiteY21" fmla="*/ 272642 h 1090568"/>
+              <a:gd name="connsiteX22" fmla="*/ 1392572 w 10821796"/>
+              <a:gd name="connsiteY22" fmla="*/ 817926 h 1090568"/>
+              <a:gd name="connsiteX23" fmla="*/ 0 w 10821796"/>
+              <a:gd name="connsiteY23" fmla="*/ 817926 h 1090568"/>
+              <a:gd name="connsiteX24" fmla="*/ 10276512 w 10821796"/>
+              <a:gd name="connsiteY24" fmla="*/ 0 h 1090568"/>
+              <a:gd name="connsiteX25" fmla="*/ 10821796 w 10821796"/>
+              <a:gd name="connsiteY25" fmla="*/ 545284 h 1090568"/>
+              <a:gd name="connsiteX26" fmla="*/ 10276512 w 10821796"/>
+              <a:gd name="connsiteY26" fmla="*/ 1090568 h 1090568"/>
+              <a:gd name="connsiteX27" fmla="*/ 10276512 w 10821796"/>
+              <a:gd name="connsiteY27" fmla="*/ 817926 h 1090568"/>
+              <a:gd name="connsiteX28" fmla="*/ 8703558 w 10821796"/>
+              <a:gd name="connsiteY28" fmla="*/ 817926 h 1090568"/>
+              <a:gd name="connsiteX29" fmla="*/ 8703558 w 10821796"/>
+              <a:gd name="connsiteY29" fmla="*/ 272642 h 1090568"/>
+              <a:gd name="connsiteX30" fmla="*/ 10276512 w 10821796"/>
+              <a:gd name="connsiteY30" fmla="*/ 272642 h 1090568"/>
+            </a:gdLst>
+            <a:ahLst/>
+            <a:cxnLst>
+              <a:cxn ang="0">
+                <a:pos x="connsiteX0" y="connsiteY0"/>
+              </a:cxn>
+              <a:cxn ang="0">
+                <a:pos x="connsiteX1" y="connsiteY1"/>
+              </a:cxn>
+              <a:cxn ang="0">
+                <a:pos x="connsiteX2" y="connsiteY2"/>
+              </a:cxn>
+              <a:cxn ang="0">
+                <a:pos x="connsiteX3" y="connsiteY3"/>
+              </a:cxn>
+              <a:cxn ang="0">
+                <a:pos x="connsiteX4" y="connsiteY4"/>
+              </a:cxn>
+              <a:cxn ang="0">
+                <a:pos x="connsiteX5" y="connsiteY5"/>
+              </a:cxn>
+              <a:cxn ang="0">
+                <a:pos x="connsiteX6" y="connsiteY6"/>
+              </a:cxn>
+              <a:cxn ang="0">
+                <a:pos x="connsiteX7" y="connsiteY7"/>
+              </a:cxn>
+              <a:cxn ang="0">
+                <a:pos x="connsiteX8" y="connsiteY8"/>
+              </a:cxn>
+              <a:cxn ang="0">
+                <a:pos x="connsiteX9" y="connsiteY9"/>
+              </a:cxn>
+              <a:cxn ang="0">
+                <a:pos x="connsiteX10" y="connsiteY10"/>
+              </a:cxn>
+              <a:cxn ang="0">
+                <a:pos x="connsiteX11" y="connsiteY11"/>
+              </a:cxn>
+              <a:cxn ang="0">
+                <a:pos x="connsiteX12" y="connsiteY12"/>
+              </a:cxn>
+              <a:cxn ang="0">
+                <a:pos x="connsiteX13" y="connsiteY13"/>
+              </a:cxn>
+              <a:cxn ang="0">
+                <a:pos x="connsiteX14" y="connsiteY14"/>
+              </a:cxn>
+              <a:cxn ang="0">
+                <a:pos x="connsiteX15" y="connsiteY15"/>
+              </a:cxn>
+              <a:cxn ang="0">
+                <a:pos x="connsiteX16" y="connsiteY16"/>
+              </a:cxn>
+              <a:cxn ang="0">
+                <a:pos x="connsiteX17" y="connsiteY17"/>
+              </a:cxn>
+              <a:cxn ang="0">
+                <a:pos x="connsiteX18" y="connsiteY18"/>
+              </a:cxn>
+              <a:cxn ang="0">
+                <a:pos x="connsiteX19" y="connsiteY19"/>
+              </a:cxn>
+              <a:cxn ang="0">
+                <a:pos x="connsiteX20" y="connsiteY20"/>
+              </a:cxn>
+              <a:cxn ang="0">
+                <a:pos x="connsiteX21" y="connsiteY21"/>
+              </a:cxn>
+              <a:cxn ang="0">
+                <a:pos x="connsiteX22" y="connsiteY22"/>
+              </a:cxn>
+              <a:cxn ang="0">
+                <a:pos x="connsiteX23" y="connsiteY23"/>
+              </a:cxn>
+              <a:cxn ang="0">
+                <a:pos x="connsiteX24" y="connsiteY24"/>
+              </a:cxn>
+              <a:cxn ang="0">
+                <a:pos x="connsiteX25" y="connsiteY25"/>
+              </a:cxn>
+              <a:cxn ang="0">
+                <a:pos x="connsiteX26" y="connsiteY26"/>
+              </a:cxn>
+              <a:cxn ang="0">
+                <a:pos x="connsiteX27" y="connsiteY27"/>
+              </a:cxn>
+              <a:cxn ang="0">
+                <a:pos x="connsiteX28" y="connsiteY28"/>
+              </a:cxn>
+              <a:cxn ang="0">
+                <a:pos x="connsiteX29" y="connsiteY29"/>
+              </a:cxn>
+              <a:cxn ang="0">
+                <a:pos x="connsiteX30" y="connsiteY30"/>
+              </a:cxn>
+            </a:cxnLst>
+            <a:rect l="l" t="t" r="r" b="b"/>
+            <a:pathLst>
+              <a:path w="10821796" h="1090568">
+                <a:moveTo>
+                  <a:pt x="7264853" y="272642"/>
+                </a:moveTo>
+                <a:lnTo>
+                  <a:pt x="8594501" y="272642"/>
+                </a:lnTo>
+                <a:lnTo>
+                  <a:pt x="8594501" y="817926"/>
+                </a:lnTo>
+                <a:lnTo>
+                  <a:pt x="7264853" y="817926"/>
+                </a:lnTo>
+                <a:close/>
+                <a:moveTo>
+                  <a:pt x="5826148" y="272642"/>
+                </a:moveTo>
+                <a:lnTo>
+                  <a:pt x="7155796" y="272642"/>
+                </a:lnTo>
+                <a:lnTo>
+                  <a:pt x="7155796" y="817926"/>
+                </a:lnTo>
+                <a:lnTo>
+                  <a:pt x="5826148" y="817926"/>
+                </a:lnTo>
+                <a:close/>
+                <a:moveTo>
+                  <a:pt x="4387438" y="272642"/>
+                </a:moveTo>
+                <a:lnTo>
+                  <a:pt x="5717091" y="272642"/>
+                </a:lnTo>
+                <a:lnTo>
+                  <a:pt x="5717091" y="817926"/>
+                </a:lnTo>
+                <a:lnTo>
+                  <a:pt x="4387438" y="817926"/>
+                </a:lnTo>
+                <a:close/>
+                <a:moveTo>
+                  <a:pt x="2948729" y="272642"/>
+                </a:moveTo>
+                <a:lnTo>
+                  <a:pt x="4278381" y="272642"/>
+                </a:lnTo>
+                <a:lnTo>
+                  <a:pt x="4278381" y="817926"/>
+                </a:lnTo>
+                <a:lnTo>
+                  <a:pt x="2948729" y="817926"/>
+                </a:lnTo>
+                <a:close/>
+                <a:moveTo>
+                  <a:pt x="1501629" y="272642"/>
+                </a:moveTo>
+                <a:lnTo>
+                  <a:pt x="2839672" y="272642"/>
+                </a:lnTo>
+                <a:lnTo>
+                  <a:pt x="2839672" y="817926"/>
+                </a:lnTo>
+                <a:lnTo>
+                  <a:pt x="1501629" y="817926"/>
+                </a:lnTo>
+                <a:close/>
+                <a:moveTo>
+                  <a:pt x="0" y="272642"/>
+                </a:moveTo>
+                <a:lnTo>
+                  <a:pt x="1392572" y="272642"/>
+                </a:lnTo>
+                <a:lnTo>
+                  <a:pt x="1392572" y="817926"/>
+                </a:lnTo>
+                <a:lnTo>
+                  <a:pt x="0" y="817926"/>
+                </a:lnTo>
+                <a:close/>
+                <a:moveTo>
+                  <a:pt x="10276512" y="0"/>
+                </a:moveTo>
+                <a:lnTo>
+                  <a:pt x="10821796" y="545284"/>
+                </a:lnTo>
+                <a:lnTo>
+                  <a:pt x="10276512" y="1090568"/>
+                </a:lnTo>
+                <a:lnTo>
+                  <a:pt x="10276512" y="817926"/>
+                </a:lnTo>
+                <a:lnTo>
+                  <a:pt x="8703558" y="817926"/>
+                </a:lnTo>
+                <a:lnTo>
+                  <a:pt x="8703558" y="272642"/>
+                </a:lnTo>
+                <a:lnTo>
+                  <a:pt x="10276512" y="272642"/>
+                </a:lnTo>
+                <a:close/>
+              </a:path>
+            </a:pathLst>
+          </a:custGeom>
+          <a:solidFill>
+            <a:schemeClr val="tx2">
+              <a:lumMod val="25000"/>
+            </a:schemeClr>
+          </a:solidFill>
+          <a:ln>
+            <a:noFill/>
+          </a:ln>
+        </p:spPr>
+        <p:style>
+          <a:lnRef idx="2">
+            <a:schemeClr val="accent1">
+              <a:shade val="50000"/>
+            </a:schemeClr>
+          </a:lnRef>
+          <a:fillRef idx="1">
+            <a:schemeClr val="accent1"/>
+          </a:fillRef>
+          <a:effectRef idx="0">
+            <a:schemeClr val="accent1"/>
+          </a:effectRef>
+          <a:fontRef idx="minor">
+            <a:schemeClr val="lt1"/>
+          </a:fontRef>
+        </p:style>
+        <p:txBody>
+          <a:bodyPr rtlCol="0" anchor="ctr"/>
+          <a:lstStyle/>
+          <a:p>
+            <a:pPr algn="ctr"/>
+            <a:endParaRPr lang="ko-KR" altLang="en-US"/>
+          </a:p>
+        </p:txBody>
+      </p:sp>
+      <p:sp>
+        <p:nvSpPr>
+          <p:cNvPr id="24" name="TextBox 23">
+            <a:extLst>
+              <a:ext uri="{FF2B5EF4-FFF2-40B4-BE49-F238E27FC236}">
+                <a16:creationId xmlns:a16="http://schemas.microsoft.com/office/drawing/2014/main" id="{2AE50F77-0468-4019-9D9F-A5CBC6C303A1}"/>
+              </a:ext>
+            </a:extLst>
+          </p:cNvPr>
+          <p:cNvSpPr txBox="1"/>
+          <p:nvPr/>
+        </p:nvSpPr>
+        <p:spPr>
+          <a:xfrm>
+            <a:off x="825679" y="2861122"/>
+            <a:ext cx="612397" cy="369332"/>
+          </a:xfrm>
+          <a:prstGeom prst="rect">
+            <a:avLst/>
+          </a:prstGeom>
+          <a:noFill/>
+        </p:spPr>
+        <p:txBody>
+          <a:bodyPr wrap="square" rtlCol="0">
+            <a:spAutoFit/>
+          </a:bodyPr>
+          <a:lstStyle/>
+          <a:p>
+            <a:r>
+              <a:rPr lang="en-US" altLang="ko-KR" dirty="0"/>
+              <a:t>17</a:t>
+            </a:r>
+            <a:r>
+              <a:rPr lang="ko-KR" altLang="en-US" dirty="0"/>
+              <a:t>일</a:t>
+            </a:r>
+          </a:p>
+        </p:txBody>
+      </p:sp>
+      <p:sp>
+        <p:nvSpPr>
+          <p:cNvPr id="25" name="TextBox 24">
+            <a:extLst>
+              <a:ext uri="{FF2B5EF4-FFF2-40B4-BE49-F238E27FC236}">
+                <a16:creationId xmlns:a16="http://schemas.microsoft.com/office/drawing/2014/main" id="{888517E6-CC68-44E9-A71E-C779B3245B09}"/>
+              </a:ext>
+            </a:extLst>
+          </p:cNvPr>
+          <p:cNvSpPr txBox="1"/>
+          <p:nvPr/>
+        </p:nvSpPr>
+        <p:spPr>
+          <a:xfrm>
+            <a:off x="2335697" y="2861122"/>
+            <a:ext cx="637563" cy="369332"/>
+          </a:xfrm>
+          <a:prstGeom prst="rect">
+            <a:avLst/>
+          </a:prstGeom>
+          <a:noFill/>
+        </p:spPr>
+        <p:txBody>
+          <a:bodyPr wrap="square" rtlCol="0">
+            <a:spAutoFit/>
+          </a:bodyPr>
+          <a:lstStyle/>
+          <a:p>
+            <a:r>
+              <a:rPr lang="en-US" altLang="ko-KR" dirty="0"/>
+              <a:t>18</a:t>
+            </a:r>
+            <a:r>
+              <a:rPr lang="ko-KR" altLang="en-US" dirty="0"/>
+              <a:t>일</a:t>
+            </a:r>
+          </a:p>
+        </p:txBody>
+      </p:sp>
+      <p:sp>
+        <p:nvSpPr>
+          <p:cNvPr id="26" name="TextBox 25">
+            <a:extLst>
+              <a:ext uri="{FF2B5EF4-FFF2-40B4-BE49-F238E27FC236}">
+                <a16:creationId xmlns:a16="http://schemas.microsoft.com/office/drawing/2014/main" id="{32FA09FB-296E-4998-B6FA-F0A86927137F}"/>
+              </a:ext>
+            </a:extLst>
+          </p:cNvPr>
+          <p:cNvSpPr txBox="1"/>
+          <p:nvPr/>
+        </p:nvSpPr>
+        <p:spPr>
+          <a:xfrm>
+            <a:off x="3812159" y="2852733"/>
+            <a:ext cx="637563" cy="369332"/>
+          </a:xfrm>
+          <a:prstGeom prst="rect">
+            <a:avLst/>
+          </a:prstGeom>
+          <a:noFill/>
+        </p:spPr>
+        <p:txBody>
+          <a:bodyPr wrap="square" rtlCol="0">
+            <a:spAutoFit/>
+          </a:bodyPr>
+          <a:lstStyle/>
+          <a:p>
+            <a:r>
+              <a:rPr lang="en-US" altLang="ko-KR" dirty="0"/>
+              <a:t>19</a:t>
+            </a:r>
+            <a:r>
+              <a:rPr lang="ko-KR" altLang="en-US" dirty="0"/>
+              <a:t>일</a:t>
+            </a:r>
+          </a:p>
+        </p:txBody>
+      </p:sp>
+      <p:sp>
+        <p:nvSpPr>
+          <p:cNvPr id="27" name="TextBox 26">
+            <a:extLst>
+              <a:ext uri="{FF2B5EF4-FFF2-40B4-BE49-F238E27FC236}">
+                <a16:creationId xmlns:a16="http://schemas.microsoft.com/office/drawing/2014/main" id="{46EDDE54-3031-480B-B4F6-8C2DBBC6B11A}"/>
+              </a:ext>
+            </a:extLst>
+          </p:cNvPr>
+          <p:cNvSpPr txBox="1"/>
+          <p:nvPr/>
+        </p:nvSpPr>
+        <p:spPr>
+          <a:xfrm>
+            <a:off x="5196343" y="2852733"/>
+            <a:ext cx="679510" cy="369332"/>
+          </a:xfrm>
+          <a:prstGeom prst="rect">
+            <a:avLst/>
+          </a:prstGeom>
+          <a:noFill/>
+        </p:spPr>
+        <p:txBody>
+          <a:bodyPr wrap="square" rtlCol="0">
+            <a:spAutoFit/>
+          </a:bodyPr>
+          <a:lstStyle/>
+          <a:p>
+            <a:r>
+              <a:rPr lang="en-US" altLang="ko-KR" dirty="0"/>
+              <a:t>20</a:t>
+            </a:r>
+            <a:r>
+              <a:rPr lang="ko-KR" altLang="en-US" dirty="0"/>
+              <a:t>일</a:t>
+            </a:r>
+          </a:p>
+        </p:txBody>
+      </p:sp>
+      <p:sp>
+        <p:nvSpPr>
+          <p:cNvPr id="28" name="TextBox 27">
+            <a:extLst>
+              <a:ext uri="{FF2B5EF4-FFF2-40B4-BE49-F238E27FC236}">
+                <a16:creationId xmlns:a16="http://schemas.microsoft.com/office/drawing/2014/main" id="{9BACC279-CBDC-499E-97F5-47AF28C09076}"/>
+              </a:ext>
+            </a:extLst>
+          </p:cNvPr>
+          <p:cNvSpPr txBox="1"/>
+          <p:nvPr/>
+        </p:nvSpPr>
+        <p:spPr>
+          <a:xfrm>
+            <a:off x="6689585" y="2852733"/>
+            <a:ext cx="637563" cy="369332"/>
+          </a:xfrm>
+          <a:prstGeom prst="rect">
+            <a:avLst/>
+          </a:prstGeom>
+          <a:noFill/>
+        </p:spPr>
+        <p:txBody>
+          <a:bodyPr wrap="square" rtlCol="0">
+            <a:spAutoFit/>
+          </a:bodyPr>
+          <a:lstStyle/>
+          <a:p>
+            <a:r>
+              <a:rPr lang="en-US" altLang="ko-KR" dirty="0"/>
+              <a:t>21</a:t>
+            </a:r>
+            <a:r>
+              <a:rPr lang="ko-KR" altLang="en-US" dirty="0"/>
+              <a:t>일</a:t>
+            </a:r>
+          </a:p>
+        </p:txBody>
+      </p:sp>
+      <p:sp>
+        <p:nvSpPr>
+          <p:cNvPr id="29" name="TextBox 28">
+            <a:extLst>
+              <a:ext uri="{FF2B5EF4-FFF2-40B4-BE49-F238E27FC236}">
+                <a16:creationId xmlns:a16="http://schemas.microsoft.com/office/drawing/2014/main" id="{BD10DDE0-EE41-4B68-A996-896C0B906110}"/>
+              </a:ext>
+            </a:extLst>
+          </p:cNvPr>
+          <p:cNvSpPr txBox="1"/>
+          <p:nvPr/>
+        </p:nvSpPr>
+        <p:spPr>
+          <a:xfrm>
+            <a:off x="8001066" y="2852733"/>
+            <a:ext cx="685099" cy="369332"/>
+          </a:xfrm>
+          <a:prstGeom prst="rect">
+            <a:avLst/>
+          </a:prstGeom>
+          <a:noFill/>
+        </p:spPr>
+        <p:txBody>
+          <a:bodyPr wrap="square" rtlCol="0">
+            <a:spAutoFit/>
+          </a:bodyPr>
+          <a:lstStyle/>
+          <a:p>
+            <a:r>
+              <a:rPr lang="en-US" altLang="ko-KR" dirty="0"/>
+              <a:t>22</a:t>
+            </a:r>
+            <a:r>
+              <a:rPr lang="ko-KR" altLang="en-US" dirty="0"/>
+              <a:t>일</a:t>
+            </a:r>
+          </a:p>
+        </p:txBody>
+      </p:sp>
+      <p:sp>
+        <p:nvSpPr>
+          <p:cNvPr id="36" name="사각형: 둥근 모서리 35">
+            <a:extLst>
+              <a:ext uri="{FF2B5EF4-FFF2-40B4-BE49-F238E27FC236}">
+                <a16:creationId xmlns:a16="http://schemas.microsoft.com/office/drawing/2014/main" id="{1DFD927A-5B43-4823-8857-155B5422807B}"/>
+              </a:ext>
+            </a:extLst>
+          </p:cNvPr>
+          <p:cNvSpPr/>
+          <p:nvPr/>
+        </p:nvSpPr>
+        <p:spPr>
+          <a:xfrm>
+            <a:off x="447701" y="3674857"/>
+            <a:ext cx="1406978" cy="1090568"/>
+          </a:xfrm>
+          <a:prstGeom prst="roundRect">
+            <a:avLst/>
+          </a:prstGeom>
+          <a:solidFill>
+            <a:schemeClr val="tx1"/>
+          </a:solidFill>
+        </p:spPr>
+        <p:style>
+          <a:lnRef idx="2">
+            <a:schemeClr val="accent1">
+              <a:shade val="50000"/>
+            </a:schemeClr>
+          </a:lnRef>
+          <a:fillRef idx="1">
+            <a:schemeClr val="accent1"/>
+          </a:fillRef>
+          <a:effectRef idx="0">
+            <a:schemeClr val="accent1"/>
+          </a:effectRef>
+          <a:fontRef idx="minor">
+            <a:schemeClr val="lt1"/>
+          </a:fontRef>
+        </p:style>
+        <p:txBody>
+          <a:bodyPr rtlCol="0" anchor="ctr"/>
+          <a:lstStyle/>
+          <a:p>
+            <a:pPr algn="ctr"/>
+            <a:r>
+              <a:rPr lang="ko-KR" altLang="en-US" dirty="0">
+                <a:solidFill>
+                  <a:schemeClr val="bg2">
+                    <a:lumMod val="75000"/>
+                  </a:schemeClr>
+                </a:solidFill>
+              </a:rPr>
+              <a:t>시작 발표 </a:t>
+            </a:r>
+            <a:r>
+              <a:rPr lang="en-US" altLang="ko-KR" dirty="0">
+                <a:solidFill>
+                  <a:schemeClr val="bg2">
+                    <a:lumMod val="75000"/>
+                  </a:schemeClr>
+                </a:solidFill>
+              </a:rPr>
+              <a:t>,</a:t>
+            </a:r>
+          </a:p>
+          <a:p>
+            <a:pPr algn="ctr"/>
+            <a:r>
+              <a:rPr lang="ko-KR" altLang="en-US" dirty="0">
+                <a:solidFill>
+                  <a:schemeClr val="bg2">
+                    <a:lumMod val="75000"/>
+                  </a:schemeClr>
+                </a:solidFill>
+              </a:rPr>
+              <a:t>데이터 수집</a:t>
+            </a:r>
+          </a:p>
+        </p:txBody>
+      </p:sp>
+      <p:sp>
+        <p:nvSpPr>
+          <p:cNvPr id="37" name="사각형: 둥근 모서리 36">
+            <a:extLst>
+              <a:ext uri="{FF2B5EF4-FFF2-40B4-BE49-F238E27FC236}">
+                <a16:creationId xmlns:a16="http://schemas.microsoft.com/office/drawing/2014/main" id="{462C62C3-ACA8-40B8-865A-C85D7262DDF5}"/>
+              </a:ext>
+            </a:extLst>
+          </p:cNvPr>
+          <p:cNvSpPr/>
+          <p:nvPr/>
+        </p:nvSpPr>
+        <p:spPr>
+          <a:xfrm>
+            <a:off x="1950989" y="3674857"/>
+            <a:ext cx="1406978" cy="1090568"/>
+          </a:xfrm>
+          <a:prstGeom prst="roundRect">
+            <a:avLst/>
+          </a:prstGeom>
+          <a:solidFill>
+            <a:schemeClr val="tx1"/>
+          </a:solidFill>
+        </p:spPr>
+        <p:style>
+          <a:lnRef idx="2">
+            <a:schemeClr val="accent1">
+              <a:shade val="50000"/>
+            </a:schemeClr>
+          </a:lnRef>
+          <a:fillRef idx="1">
+            <a:schemeClr val="accent1"/>
+          </a:fillRef>
+          <a:effectRef idx="0">
+            <a:schemeClr val="accent1"/>
+          </a:effectRef>
+          <a:fontRef idx="minor">
+            <a:schemeClr val="lt1"/>
+          </a:fontRef>
+        </p:style>
+        <p:txBody>
+          <a:bodyPr rtlCol="0" anchor="ctr"/>
+          <a:lstStyle/>
+          <a:p>
+            <a:pPr algn="ctr"/>
+            <a:r>
+              <a:rPr lang="ko-KR" altLang="en-US">
+                <a:solidFill>
+                  <a:schemeClr val="bg2">
+                    <a:lumMod val="75000"/>
+                  </a:schemeClr>
+                </a:solidFill>
+              </a:rPr>
+              <a:t>데이터 수집 및 </a:t>
+            </a:r>
+            <a:r>
+              <a:rPr lang="ko-KR" altLang="en-US" dirty="0" err="1">
+                <a:solidFill>
+                  <a:schemeClr val="bg2">
+                    <a:lumMod val="75000"/>
+                  </a:schemeClr>
+                </a:solidFill>
+              </a:rPr>
+              <a:t>전처리</a:t>
+            </a:r>
+            <a:endParaRPr lang="ko-KR" altLang="en-US" dirty="0">
+              <a:solidFill>
+                <a:schemeClr val="bg2">
+                  <a:lumMod val="75000"/>
+                </a:schemeClr>
+              </a:solidFill>
+            </a:endParaRPr>
+          </a:p>
+        </p:txBody>
+      </p:sp>
+      <p:sp>
+        <p:nvSpPr>
+          <p:cNvPr id="38" name="사각형: 둥근 모서리 37">
+            <a:extLst>
+              <a:ext uri="{FF2B5EF4-FFF2-40B4-BE49-F238E27FC236}">
+                <a16:creationId xmlns:a16="http://schemas.microsoft.com/office/drawing/2014/main" id="{02EBE93E-8637-4512-8F73-5655EB4E2E2E}"/>
+              </a:ext>
+            </a:extLst>
+          </p:cNvPr>
+          <p:cNvSpPr/>
+          <p:nvPr/>
+        </p:nvSpPr>
+        <p:spPr>
+          <a:xfrm>
+            <a:off x="3427451" y="3674857"/>
+            <a:ext cx="1325704" cy="1090568"/>
+          </a:xfrm>
+          <a:prstGeom prst="roundRect">
+            <a:avLst/>
+          </a:prstGeom>
+          <a:solidFill>
+            <a:schemeClr val="tx1"/>
+          </a:solidFill>
+        </p:spPr>
+        <p:style>
+          <a:lnRef idx="2">
+            <a:schemeClr val="accent1">
+              <a:shade val="50000"/>
+            </a:schemeClr>
+          </a:lnRef>
+          <a:fillRef idx="1">
+            <a:schemeClr val="accent1"/>
+          </a:fillRef>
+          <a:effectRef idx="0">
+            <a:schemeClr val="accent1"/>
+          </a:effectRef>
+          <a:fontRef idx="minor">
+            <a:schemeClr val="lt1"/>
+          </a:fontRef>
+        </p:style>
+        <p:txBody>
+          <a:bodyPr rtlCol="0" anchor="ctr"/>
+          <a:lstStyle/>
+          <a:p>
+            <a:pPr algn="ctr"/>
+            <a:r>
+              <a:rPr lang="ko-KR" altLang="en-US">
+                <a:solidFill>
+                  <a:schemeClr val="bg2">
+                    <a:lumMod val="75000"/>
+                  </a:schemeClr>
+                </a:solidFill>
+              </a:rPr>
+              <a:t>데이터 분석</a:t>
+            </a:r>
+            <a:endParaRPr lang="ko-KR" altLang="en-US" dirty="0">
+              <a:solidFill>
+                <a:schemeClr val="bg2">
+                  <a:lumMod val="75000"/>
+                </a:schemeClr>
+              </a:solidFill>
+            </a:endParaRPr>
+          </a:p>
+        </p:txBody>
+      </p:sp>
+      <p:sp>
+        <p:nvSpPr>
+          <p:cNvPr id="39" name="사각형: 둥근 모서리 38">
+            <a:extLst>
+              <a:ext uri="{FF2B5EF4-FFF2-40B4-BE49-F238E27FC236}">
+                <a16:creationId xmlns:a16="http://schemas.microsoft.com/office/drawing/2014/main" id="{C8AB2E11-F318-49FF-969E-3DBA827FBDE5}"/>
+              </a:ext>
+            </a:extLst>
+          </p:cNvPr>
+          <p:cNvSpPr/>
+          <p:nvPr/>
+        </p:nvSpPr>
+        <p:spPr>
+          <a:xfrm>
+            <a:off x="4873246" y="3674857"/>
+            <a:ext cx="1325704" cy="1090568"/>
+          </a:xfrm>
+          <a:prstGeom prst="roundRect">
+            <a:avLst/>
+          </a:prstGeom>
+          <a:solidFill>
+            <a:schemeClr val="tx1"/>
+          </a:solidFill>
+        </p:spPr>
+        <p:style>
+          <a:lnRef idx="2">
+            <a:schemeClr val="accent1">
+              <a:shade val="50000"/>
+            </a:schemeClr>
+          </a:lnRef>
+          <a:fillRef idx="1">
+            <a:schemeClr val="accent1"/>
+          </a:fillRef>
+          <a:effectRef idx="0">
+            <a:schemeClr val="accent1"/>
+          </a:effectRef>
+          <a:fontRef idx="minor">
+            <a:schemeClr val="lt1"/>
+          </a:fontRef>
+        </p:style>
+        <p:txBody>
+          <a:bodyPr rtlCol="0" anchor="ctr"/>
+          <a:lstStyle/>
+          <a:p>
+            <a:pPr algn="ctr"/>
+            <a:r>
+              <a:rPr lang="ko-KR" altLang="en-US">
+                <a:solidFill>
+                  <a:schemeClr val="bg2">
+                    <a:lumMod val="75000"/>
+                  </a:schemeClr>
+                </a:solidFill>
+              </a:rPr>
+              <a:t>데이터 분석</a:t>
+            </a:r>
+            <a:endParaRPr lang="ko-KR" altLang="en-US" dirty="0">
+              <a:solidFill>
+                <a:schemeClr val="bg2">
+                  <a:lumMod val="75000"/>
+                </a:schemeClr>
+              </a:solidFill>
+            </a:endParaRPr>
+          </a:p>
+        </p:txBody>
+      </p:sp>
+      <p:sp>
+        <p:nvSpPr>
+          <p:cNvPr id="40" name="사각형: 둥근 모서리 39">
+            <a:extLst>
+              <a:ext uri="{FF2B5EF4-FFF2-40B4-BE49-F238E27FC236}">
+                <a16:creationId xmlns:a16="http://schemas.microsoft.com/office/drawing/2014/main" id="{F37A3197-5642-48B4-AF23-AE3BD11681BB}"/>
+              </a:ext>
+            </a:extLst>
+          </p:cNvPr>
+          <p:cNvSpPr/>
+          <p:nvPr/>
+        </p:nvSpPr>
+        <p:spPr>
+          <a:xfrm>
+            <a:off x="6319041" y="3674857"/>
+            <a:ext cx="1325704" cy="1090568"/>
+          </a:xfrm>
+          <a:prstGeom prst="roundRect">
+            <a:avLst/>
+          </a:prstGeom>
+          <a:solidFill>
+            <a:schemeClr val="tx1"/>
+          </a:solidFill>
+        </p:spPr>
+        <p:style>
+          <a:lnRef idx="2">
+            <a:schemeClr val="accent1">
+              <a:shade val="50000"/>
+            </a:schemeClr>
+          </a:lnRef>
+          <a:fillRef idx="1">
+            <a:schemeClr val="accent1"/>
+          </a:fillRef>
+          <a:effectRef idx="0">
+            <a:schemeClr val="accent1"/>
+          </a:effectRef>
+          <a:fontRef idx="minor">
+            <a:schemeClr val="lt1"/>
+          </a:fontRef>
+        </p:style>
+        <p:txBody>
+          <a:bodyPr rtlCol="0" anchor="ctr"/>
+          <a:lstStyle/>
+          <a:p>
+            <a:pPr algn="ctr"/>
+            <a:r>
+              <a:rPr lang="ko-KR" altLang="en-US" dirty="0">
+                <a:solidFill>
+                  <a:schemeClr val="bg2">
+                    <a:lumMod val="75000"/>
+                  </a:schemeClr>
+                </a:solidFill>
+              </a:rPr>
+              <a:t>데이터 분석 및 모델링</a:t>
+            </a:r>
+          </a:p>
+        </p:txBody>
+      </p:sp>
+      <p:sp>
+        <p:nvSpPr>
+          <p:cNvPr id="41" name="사각형: 둥근 모서리 40">
+            <a:extLst>
+              <a:ext uri="{FF2B5EF4-FFF2-40B4-BE49-F238E27FC236}">
+                <a16:creationId xmlns:a16="http://schemas.microsoft.com/office/drawing/2014/main" id="{AE476249-B824-446F-9B9C-021E8D1A3534}"/>
+              </a:ext>
+            </a:extLst>
+          </p:cNvPr>
+          <p:cNvSpPr/>
+          <p:nvPr/>
+        </p:nvSpPr>
+        <p:spPr>
+          <a:xfrm>
+            <a:off x="7764836" y="3674857"/>
+            <a:ext cx="1325704" cy="1090568"/>
+          </a:xfrm>
+          <a:prstGeom prst="roundRect">
+            <a:avLst/>
+          </a:prstGeom>
+          <a:solidFill>
+            <a:schemeClr val="tx1"/>
+          </a:solidFill>
+        </p:spPr>
+        <p:style>
+          <a:lnRef idx="2">
+            <a:schemeClr val="accent1">
+              <a:shade val="50000"/>
+            </a:schemeClr>
+          </a:lnRef>
+          <a:fillRef idx="1">
+            <a:schemeClr val="accent1"/>
+          </a:fillRef>
+          <a:effectRef idx="0">
+            <a:schemeClr val="accent1"/>
+          </a:effectRef>
+          <a:fontRef idx="minor">
+            <a:schemeClr val="lt1"/>
+          </a:fontRef>
+        </p:style>
+        <p:txBody>
+          <a:bodyPr rtlCol="0" anchor="ctr"/>
+          <a:lstStyle/>
+          <a:p>
+            <a:pPr algn="ctr"/>
+            <a:r>
+              <a:rPr lang="ko-KR" altLang="en-US" dirty="0">
+                <a:solidFill>
+                  <a:schemeClr val="bg2">
+                    <a:lumMod val="75000"/>
+                  </a:schemeClr>
+                </a:solidFill>
+              </a:rPr>
+              <a:t>발표자료 제출</a:t>
+            </a:r>
+          </a:p>
+        </p:txBody>
+      </p:sp>
+    </p:spTree>
+    <p:extLst>
+      <p:ext uri="{BB962C8B-B14F-4D97-AF65-F5344CB8AC3E}">
+        <p14:creationId xmlns:p14="http://schemas.microsoft.com/office/powerpoint/2010/main" val="3192928823"/>
+      </p:ext>
+    </p:extLst>
+  </p:cSld>
+  <p:clrMapOvr>
+    <a:masterClrMapping/>
+  </p:clrMapOvr>
+</p:sld>
+</file>
+
+<file path=ppt/slides/slide11.xml><?xml version="1.0" encoding="utf-8"?>
+<p:sld xmlns:a="http://schemas.openxmlformats.org/drawingml/2006/main" xmlns:r="http://schemas.openxmlformats.org/officeDocument/2006/relationships" xmlns:p="http://schemas.openxmlformats.org/presentationml/2006/main">
+  <p:cSld>
+    <p:spTree>
+      <p:nvGrpSpPr>
+        <p:cNvPr id="1" name=""/>
+        <p:cNvGrpSpPr/>
+        <p:nvPr/>
+      </p:nvGrpSpPr>
+      <p:grpSpPr>
+        <a:xfrm>
+          <a:off x="0" y="0"/>
+          <a:ext cx="0" cy="0"/>
+          <a:chOff x="0" y="0"/>
+          <a:chExt cx="0" cy="0"/>
+        </a:xfrm>
+      </p:grpSpPr>
+      <p:sp>
+        <p:nvSpPr>
+          <p:cNvPr id="2" name="제목 1">
+            <a:extLst>
+              <a:ext uri="{FF2B5EF4-FFF2-40B4-BE49-F238E27FC236}">
+                <a16:creationId xmlns:a16="http://schemas.microsoft.com/office/drawing/2014/main" id="{0028B4BC-4750-45A9-8130-0A702B166F6D}"/>
+              </a:ext>
+            </a:extLst>
+          </p:cNvPr>
+          <p:cNvSpPr>
+            <a:spLocks noGrp="1"/>
+          </p:cNvSpPr>
+          <p:nvPr>
+            <p:ph type="ctrTitle"/>
+          </p:nvPr>
+        </p:nvSpPr>
+        <p:spPr/>
+        <p:txBody>
+          <a:bodyPr>
+            <a:normAutofit/>
+          </a:bodyPr>
+          <a:lstStyle/>
+          <a:p>
+            <a:r>
+              <a:rPr lang="en-US" altLang="ko-KR" sz="8000" dirty="0"/>
+              <a:t>Q&amp;A</a:t>
+            </a:r>
+            <a:endParaRPr lang="ko-KR" altLang="en-US" sz="8000" dirty="0"/>
+          </a:p>
+        </p:txBody>
+      </p:sp>
+    </p:spTree>
+    <p:extLst>
+      <p:ext uri="{BB962C8B-B14F-4D97-AF65-F5344CB8AC3E}">
+        <p14:creationId xmlns:p14="http://schemas.microsoft.com/office/powerpoint/2010/main" val="317497467"/>
+      </p:ext>
+    </p:extLst>
+  </p:cSld>
+  <p:clrMapOvr>
+    <a:masterClrMapping/>
+  </p:clrMapOvr>
+</p:sld>
+</file>
+
+<file path=ppt/slides/slide12.xml><?xml version="1.0" encoding="utf-8"?>
+<p:sld xmlns:a="http://schemas.openxmlformats.org/drawingml/2006/main" xmlns:r="http://schemas.openxmlformats.org/officeDocument/2006/relationships" xmlns:p="http://schemas.openxmlformats.org/presentationml/2006/main">
+  <p:cSld>
+    <p:spTree>
+      <p:nvGrpSpPr>
+        <p:cNvPr id="1" name=""/>
+        <p:cNvGrpSpPr/>
+        <p:nvPr/>
+      </p:nvGrpSpPr>
+      <p:grpSpPr>
+        <a:xfrm>
+          <a:off x="0" y="0"/>
+          <a:ext cx="0" cy="0"/>
+          <a:chOff x="0" y="0"/>
+          <a:chExt cx="0" cy="0"/>
+        </a:xfrm>
+      </p:grpSpPr>
+      <p:sp>
+        <p:nvSpPr>
+          <p:cNvPr id="2" name="제목 1">
+            <a:extLst>
+              <a:ext uri="{FF2B5EF4-FFF2-40B4-BE49-F238E27FC236}">
                 <a16:creationId xmlns:a16="http://schemas.microsoft.com/office/drawing/2014/main" id="{0028B4BC-4750-45A9-8130-0A702B166F6D}"/>
               </a:ext>
             </a:extLst>
@@ -4693,6 +5769,13 @@
             <a:endParaRPr lang="en-US" altLang="ko-KR" sz="2800" dirty="0"/>
           </a:p>
           <a:p>
+            <a:r>
+              <a:rPr lang="ko-KR" altLang="en-US" sz="2800" dirty="0"/>
+              <a:t>추진 일정</a:t>
+            </a:r>
+            <a:endParaRPr lang="en-US" altLang="ko-KR" sz="2800" dirty="0"/>
+          </a:p>
+          <a:p>
             <a:endParaRPr lang="en-US" altLang="ko-KR" dirty="0"/>
           </a:p>
         </p:txBody>
@@ -4711,6 +5794,948 @@
 </file>
 
 <file path=ppt/slides/slide3.xml><?xml version="1.0" encoding="utf-8"?>
+<p:sld xmlns:a="http://schemas.openxmlformats.org/drawingml/2006/main" xmlns:r="http://schemas.openxmlformats.org/officeDocument/2006/relationships" xmlns:p="http://schemas.openxmlformats.org/presentationml/2006/main">
+  <p:cSld>
+    <p:spTree>
+      <p:nvGrpSpPr>
+        <p:cNvPr id="1" name=""/>
+        <p:cNvGrpSpPr/>
+        <p:nvPr/>
+      </p:nvGrpSpPr>
+      <p:grpSpPr>
+        <a:xfrm>
+          <a:off x="0" y="0"/>
+          <a:ext cx="0" cy="0"/>
+          <a:chOff x="0" y="0"/>
+          <a:chExt cx="0" cy="0"/>
+        </a:xfrm>
+      </p:grpSpPr>
+      <p:sp>
+        <p:nvSpPr>
+          <p:cNvPr id="2" name="제목 1">
+            <a:extLst>
+              <a:ext uri="{FF2B5EF4-FFF2-40B4-BE49-F238E27FC236}">
+                <a16:creationId xmlns:a16="http://schemas.microsoft.com/office/drawing/2014/main" id="{D4C882E9-E7C3-45F9-BA41-1D226D2570C9}"/>
+              </a:ext>
+            </a:extLst>
+          </p:cNvPr>
+          <p:cNvSpPr>
+            <a:spLocks noGrp="1"/>
+          </p:cNvSpPr>
+          <p:nvPr>
+            <p:ph type="title"/>
+          </p:nvPr>
+        </p:nvSpPr>
+        <p:spPr/>
+        <p:txBody>
+          <a:bodyPr/>
+          <a:lstStyle/>
+          <a:p>
+            <a:r>
+              <a:rPr lang="ko-KR" altLang="en-US" dirty="0"/>
+              <a:t>조원 소개</a:t>
+            </a:r>
+          </a:p>
+        </p:txBody>
+      </p:sp>
+      <p:sp>
+        <p:nvSpPr>
+          <p:cNvPr id="6" name="타원 5">
+            <a:extLst>
+              <a:ext uri="{FF2B5EF4-FFF2-40B4-BE49-F238E27FC236}">
+                <a16:creationId xmlns:a16="http://schemas.microsoft.com/office/drawing/2014/main" id="{41AD5764-4C17-422F-A647-CA4F1574F383}"/>
+              </a:ext>
+            </a:extLst>
+          </p:cNvPr>
+          <p:cNvSpPr/>
+          <p:nvPr/>
+        </p:nvSpPr>
+        <p:spPr>
+          <a:xfrm>
+            <a:off x="741872" y="4659621"/>
+            <a:ext cx="1656271" cy="1656271"/>
+          </a:xfrm>
+          <a:prstGeom prst="ellipse">
+            <a:avLst/>
+          </a:prstGeom>
+          <a:blipFill dpi="0" rotWithShape="1">
+            <a:blip r:embed="rId2">
+              <a:extLst>
+                <a:ext uri="{28A0092B-C50C-407E-A947-70E740481C1C}">
+                  <a14:useLocalDpi xmlns:a14="http://schemas.microsoft.com/office/drawing/2010/main" val="0"/>
+                </a:ext>
+              </a:extLst>
+            </a:blip>
+            <a:srcRect/>
+            <a:stretch>
+              <a:fillRect/>
+            </a:stretch>
+          </a:blipFill>
+          <a:ln>
+            <a:noFill/>
+          </a:ln>
+        </p:spPr>
+        <p:style>
+          <a:lnRef idx="2">
+            <a:schemeClr val="accent1">
+              <a:shade val="50000"/>
+            </a:schemeClr>
+          </a:lnRef>
+          <a:fillRef idx="1">
+            <a:schemeClr val="accent1"/>
+          </a:fillRef>
+          <a:effectRef idx="0">
+            <a:schemeClr val="accent1"/>
+          </a:effectRef>
+          <a:fontRef idx="minor">
+            <a:schemeClr val="lt1"/>
+          </a:fontRef>
+        </p:style>
+        <p:txBody>
+          <a:bodyPr rtlCol="0" anchor="ctr"/>
+          <a:lstStyle/>
+          <a:p>
+            <a:pPr algn="ctr"/>
+            <a:endParaRPr lang="ko-KR" altLang="en-US"/>
+          </a:p>
+        </p:txBody>
+      </p:sp>
+      <p:sp>
+        <p:nvSpPr>
+          <p:cNvPr id="7" name="타원 6">
+            <a:extLst>
+              <a:ext uri="{FF2B5EF4-FFF2-40B4-BE49-F238E27FC236}">
+                <a16:creationId xmlns:a16="http://schemas.microsoft.com/office/drawing/2014/main" id="{BEA37F84-FC27-4275-98CC-73573FA20AED}"/>
+              </a:ext>
+            </a:extLst>
+          </p:cNvPr>
+          <p:cNvSpPr/>
+          <p:nvPr/>
+        </p:nvSpPr>
+        <p:spPr>
+          <a:xfrm>
+            <a:off x="6096000" y="4659621"/>
+            <a:ext cx="1656271" cy="1656271"/>
+          </a:xfrm>
+          <a:prstGeom prst="ellipse">
+            <a:avLst/>
+          </a:prstGeom>
+          <a:blipFill dpi="0" rotWithShape="1">
+            <a:blip r:embed="rId2">
+              <a:extLst>
+                <a:ext uri="{28A0092B-C50C-407E-A947-70E740481C1C}">
+                  <a14:useLocalDpi xmlns:a14="http://schemas.microsoft.com/office/drawing/2010/main" val="0"/>
+                </a:ext>
+              </a:extLst>
+            </a:blip>
+            <a:srcRect/>
+            <a:stretch>
+              <a:fillRect/>
+            </a:stretch>
+          </a:blipFill>
+          <a:ln>
+            <a:noFill/>
+          </a:ln>
+        </p:spPr>
+        <p:style>
+          <a:lnRef idx="2">
+            <a:schemeClr val="accent1">
+              <a:shade val="50000"/>
+            </a:schemeClr>
+          </a:lnRef>
+          <a:fillRef idx="1">
+            <a:schemeClr val="accent1"/>
+          </a:fillRef>
+          <a:effectRef idx="0">
+            <a:schemeClr val="accent1"/>
+          </a:effectRef>
+          <a:fontRef idx="minor">
+            <a:schemeClr val="lt1"/>
+          </a:fontRef>
+        </p:style>
+        <p:txBody>
+          <a:bodyPr rtlCol="0" anchor="ctr"/>
+          <a:lstStyle/>
+          <a:p>
+            <a:pPr algn="ctr"/>
+            <a:endParaRPr lang="ko-KR" altLang="en-US"/>
+          </a:p>
+        </p:txBody>
+      </p:sp>
+      <p:cxnSp>
+        <p:nvCxnSpPr>
+          <p:cNvPr id="10" name="직선 연결선 9">
+            <a:extLst>
+              <a:ext uri="{FF2B5EF4-FFF2-40B4-BE49-F238E27FC236}">
+                <a16:creationId xmlns:a16="http://schemas.microsoft.com/office/drawing/2014/main" id="{A332F769-2B61-4592-AA7C-588B10780ED3}"/>
+              </a:ext>
+            </a:extLst>
+          </p:cNvPr>
+          <p:cNvCxnSpPr/>
+          <p:nvPr/>
+        </p:nvCxnSpPr>
+        <p:spPr>
+          <a:xfrm>
+            <a:off x="2560320" y="4054414"/>
+            <a:ext cx="3042458" cy="0"/>
+          </a:xfrm>
+          <a:prstGeom prst="line">
+            <a:avLst/>
+          </a:prstGeom>
+          <a:ln w="53975">
+            <a:solidFill>
+              <a:schemeClr val="tx1"/>
+            </a:solidFill>
+            <a:prstDash val="sysDash"/>
+          </a:ln>
+        </p:spPr>
+        <p:style>
+          <a:lnRef idx="1">
+            <a:schemeClr val="accent1"/>
+          </a:lnRef>
+          <a:fillRef idx="0">
+            <a:schemeClr val="accent1"/>
+          </a:fillRef>
+          <a:effectRef idx="0">
+            <a:schemeClr val="accent1"/>
+          </a:effectRef>
+          <a:fontRef idx="minor">
+            <a:schemeClr val="tx1"/>
+          </a:fontRef>
+        </p:style>
+      </p:cxnSp>
+      <p:cxnSp>
+        <p:nvCxnSpPr>
+          <p:cNvPr id="11" name="직선 연결선 10">
+            <a:extLst>
+              <a:ext uri="{FF2B5EF4-FFF2-40B4-BE49-F238E27FC236}">
+                <a16:creationId xmlns:a16="http://schemas.microsoft.com/office/drawing/2014/main" id="{6926DDA5-6CE7-4EA1-9B69-315B33B96E51}"/>
+              </a:ext>
+            </a:extLst>
+          </p:cNvPr>
+          <p:cNvCxnSpPr/>
+          <p:nvPr/>
+        </p:nvCxnSpPr>
+        <p:spPr>
+          <a:xfrm>
+            <a:off x="2560320" y="2446165"/>
+            <a:ext cx="3042458" cy="0"/>
+          </a:xfrm>
+          <a:prstGeom prst="line">
+            <a:avLst/>
+          </a:prstGeom>
+          <a:ln w="53975">
+            <a:solidFill>
+              <a:schemeClr val="tx1"/>
+            </a:solidFill>
+            <a:prstDash val="sysDash"/>
+          </a:ln>
+        </p:spPr>
+        <p:style>
+          <a:lnRef idx="1">
+            <a:schemeClr val="accent1"/>
+          </a:lnRef>
+          <a:fillRef idx="0">
+            <a:schemeClr val="accent1"/>
+          </a:fillRef>
+          <a:effectRef idx="0">
+            <a:schemeClr val="accent1"/>
+          </a:effectRef>
+          <a:fontRef idx="minor">
+            <a:schemeClr val="tx1"/>
+          </a:fontRef>
+        </p:style>
+      </p:cxnSp>
+      <p:sp>
+        <p:nvSpPr>
+          <p:cNvPr id="12" name="TextBox 11">
+            <a:extLst>
+              <a:ext uri="{FF2B5EF4-FFF2-40B4-BE49-F238E27FC236}">
+                <a16:creationId xmlns:a16="http://schemas.microsoft.com/office/drawing/2014/main" id="{7FBB0091-643C-40A5-951D-03842AA32A4C}"/>
+              </a:ext>
+            </a:extLst>
+          </p:cNvPr>
+          <p:cNvSpPr txBox="1"/>
+          <p:nvPr/>
+        </p:nvSpPr>
+        <p:spPr>
+          <a:xfrm>
+            <a:off x="2560320" y="2545236"/>
+            <a:ext cx="3042458" cy="1295868"/>
+          </a:xfrm>
+          <a:prstGeom prst="rect">
+            <a:avLst/>
+          </a:prstGeom>
+          <a:noFill/>
+        </p:spPr>
+        <p:txBody>
+          <a:bodyPr wrap="square" rtlCol="0">
+            <a:spAutoFit/>
+          </a:bodyPr>
+          <a:lstStyle/>
+          <a:p>
+            <a:pPr>
+              <a:lnSpc>
+                <a:spcPct val="150000"/>
+              </a:lnSpc>
+            </a:pPr>
+            <a:r>
+              <a:rPr lang="ko-KR" altLang="en-US" dirty="0"/>
+              <a:t>조장 이 소 정</a:t>
+            </a:r>
+            <a:endParaRPr lang="en-US" altLang="ko-KR" dirty="0"/>
+          </a:p>
+          <a:p>
+            <a:pPr>
+              <a:lnSpc>
+                <a:spcPct val="150000"/>
+              </a:lnSpc>
+            </a:pPr>
+            <a:r>
+              <a:rPr lang="ko-KR" altLang="en-US" dirty="0"/>
+              <a:t>지역 데이터 수집</a:t>
+            </a:r>
+            <a:endParaRPr lang="en-US" altLang="ko-KR" dirty="0"/>
+          </a:p>
+          <a:p>
+            <a:pPr>
+              <a:lnSpc>
+                <a:spcPct val="150000"/>
+              </a:lnSpc>
+            </a:pPr>
+            <a:r>
+              <a:rPr lang="ko-KR" altLang="en-US" dirty="0"/>
+              <a:t>지역 데이터 분석</a:t>
+            </a:r>
+            <a:endParaRPr lang="en-US" altLang="ko-KR" dirty="0"/>
+          </a:p>
+        </p:txBody>
+      </p:sp>
+      <p:cxnSp>
+        <p:nvCxnSpPr>
+          <p:cNvPr id="13" name="직선 연결선 12">
+            <a:extLst>
+              <a:ext uri="{FF2B5EF4-FFF2-40B4-BE49-F238E27FC236}">
+                <a16:creationId xmlns:a16="http://schemas.microsoft.com/office/drawing/2014/main" id="{7B19834B-22EC-42F3-8BE1-5043FDBEF070}"/>
+              </a:ext>
+            </a:extLst>
+          </p:cNvPr>
+          <p:cNvCxnSpPr/>
+          <p:nvPr/>
+        </p:nvCxnSpPr>
+        <p:spPr>
+          <a:xfrm>
+            <a:off x="7944541" y="4054414"/>
+            <a:ext cx="3042458" cy="0"/>
+          </a:xfrm>
+          <a:prstGeom prst="line">
+            <a:avLst/>
+          </a:prstGeom>
+          <a:ln w="53975">
+            <a:solidFill>
+              <a:schemeClr val="tx1"/>
+            </a:solidFill>
+            <a:prstDash val="sysDash"/>
+          </a:ln>
+        </p:spPr>
+        <p:style>
+          <a:lnRef idx="1">
+            <a:schemeClr val="accent1"/>
+          </a:lnRef>
+          <a:fillRef idx="0">
+            <a:schemeClr val="accent1"/>
+          </a:fillRef>
+          <a:effectRef idx="0">
+            <a:schemeClr val="accent1"/>
+          </a:effectRef>
+          <a:fontRef idx="minor">
+            <a:schemeClr val="tx1"/>
+          </a:fontRef>
+        </p:style>
+      </p:cxnSp>
+      <p:cxnSp>
+        <p:nvCxnSpPr>
+          <p:cNvPr id="14" name="직선 연결선 13">
+            <a:extLst>
+              <a:ext uri="{FF2B5EF4-FFF2-40B4-BE49-F238E27FC236}">
+                <a16:creationId xmlns:a16="http://schemas.microsoft.com/office/drawing/2014/main" id="{C3801B3B-8C28-4360-A775-DF953F0594CB}"/>
+              </a:ext>
+            </a:extLst>
+          </p:cNvPr>
+          <p:cNvCxnSpPr/>
+          <p:nvPr/>
+        </p:nvCxnSpPr>
+        <p:spPr>
+          <a:xfrm>
+            <a:off x="7944541" y="2446165"/>
+            <a:ext cx="3042458" cy="0"/>
+          </a:xfrm>
+          <a:prstGeom prst="line">
+            <a:avLst/>
+          </a:prstGeom>
+          <a:ln w="53975">
+            <a:solidFill>
+              <a:schemeClr val="tx1"/>
+            </a:solidFill>
+            <a:prstDash val="sysDash"/>
+          </a:ln>
+        </p:spPr>
+        <p:style>
+          <a:lnRef idx="1">
+            <a:schemeClr val="accent1"/>
+          </a:lnRef>
+          <a:fillRef idx="0">
+            <a:schemeClr val="accent1"/>
+          </a:fillRef>
+          <a:effectRef idx="0">
+            <a:schemeClr val="accent1"/>
+          </a:effectRef>
+          <a:fontRef idx="minor">
+            <a:schemeClr val="tx1"/>
+          </a:fontRef>
+        </p:style>
+      </p:cxnSp>
+      <p:sp>
+        <p:nvSpPr>
+          <p:cNvPr id="15" name="TextBox 14">
+            <a:extLst>
+              <a:ext uri="{FF2B5EF4-FFF2-40B4-BE49-F238E27FC236}">
+                <a16:creationId xmlns:a16="http://schemas.microsoft.com/office/drawing/2014/main" id="{DF531BD6-939E-4061-A52C-1FF80CF75560}"/>
+              </a:ext>
+            </a:extLst>
+          </p:cNvPr>
+          <p:cNvSpPr txBox="1"/>
+          <p:nvPr/>
+        </p:nvSpPr>
+        <p:spPr>
+          <a:xfrm>
+            <a:off x="7944541" y="2545236"/>
+            <a:ext cx="3042458" cy="1295868"/>
+          </a:xfrm>
+          <a:prstGeom prst="rect">
+            <a:avLst/>
+          </a:prstGeom>
+          <a:noFill/>
+        </p:spPr>
+        <p:txBody>
+          <a:bodyPr wrap="square" rtlCol="0">
+            <a:spAutoFit/>
+          </a:bodyPr>
+          <a:lstStyle/>
+          <a:p>
+            <a:pPr>
+              <a:lnSpc>
+                <a:spcPct val="150000"/>
+              </a:lnSpc>
+            </a:pPr>
+            <a:r>
+              <a:rPr lang="en-US" altLang="ko-KR" dirty="0"/>
+              <a:t>PM </a:t>
+            </a:r>
+            <a:r>
+              <a:rPr lang="ko-KR" altLang="en-US" dirty="0"/>
+              <a:t>박 민 혁 </a:t>
+            </a:r>
+            <a:endParaRPr lang="en-US" altLang="ko-KR" dirty="0"/>
+          </a:p>
+          <a:p>
+            <a:pPr>
+              <a:lnSpc>
+                <a:spcPct val="150000"/>
+              </a:lnSpc>
+            </a:pPr>
+            <a:r>
+              <a:rPr lang="ko-KR" altLang="en-US" dirty="0"/>
+              <a:t>적정 모델 탐색</a:t>
+            </a:r>
+            <a:endParaRPr lang="en-US" altLang="ko-KR" dirty="0"/>
+          </a:p>
+          <a:p>
+            <a:pPr>
+              <a:lnSpc>
+                <a:spcPct val="150000"/>
+              </a:lnSpc>
+            </a:pPr>
+            <a:r>
+              <a:rPr lang="ko-KR" altLang="en-US" dirty="0"/>
+              <a:t>전반적 진행 상황 확인</a:t>
+            </a:r>
+            <a:endParaRPr lang="en-US" altLang="ko-KR" dirty="0"/>
+          </a:p>
+        </p:txBody>
+      </p:sp>
+      <p:cxnSp>
+        <p:nvCxnSpPr>
+          <p:cNvPr id="16" name="직선 연결선 15">
+            <a:extLst>
+              <a:ext uri="{FF2B5EF4-FFF2-40B4-BE49-F238E27FC236}">
+                <a16:creationId xmlns:a16="http://schemas.microsoft.com/office/drawing/2014/main" id="{55C730CC-BF78-4705-A63B-9478F0BA184F}"/>
+              </a:ext>
+            </a:extLst>
+          </p:cNvPr>
+          <p:cNvCxnSpPr/>
+          <p:nvPr/>
+        </p:nvCxnSpPr>
+        <p:spPr>
+          <a:xfrm>
+            <a:off x="2560320" y="6488417"/>
+            <a:ext cx="3042458" cy="0"/>
+          </a:xfrm>
+          <a:prstGeom prst="line">
+            <a:avLst/>
+          </a:prstGeom>
+          <a:ln w="53975">
+            <a:solidFill>
+              <a:schemeClr val="tx1"/>
+            </a:solidFill>
+            <a:prstDash val="sysDash"/>
+          </a:ln>
+        </p:spPr>
+        <p:style>
+          <a:lnRef idx="1">
+            <a:schemeClr val="accent1"/>
+          </a:lnRef>
+          <a:fillRef idx="0">
+            <a:schemeClr val="accent1"/>
+          </a:fillRef>
+          <a:effectRef idx="0">
+            <a:schemeClr val="accent1"/>
+          </a:effectRef>
+          <a:fontRef idx="minor">
+            <a:schemeClr val="tx1"/>
+          </a:fontRef>
+        </p:style>
+      </p:cxnSp>
+      <p:cxnSp>
+        <p:nvCxnSpPr>
+          <p:cNvPr id="17" name="직선 연결선 16">
+            <a:extLst>
+              <a:ext uri="{FF2B5EF4-FFF2-40B4-BE49-F238E27FC236}">
+                <a16:creationId xmlns:a16="http://schemas.microsoft.com/office/drawing/2014/main" id="{37AA000C-3043-4B56-8D8A-31A4CCA30E18}"/>
+              </a:ext>
+            </a:extLst>
+          </p:cNvPr>
+          <p:cNvCxnSpPr/>
+          <p:nvPr/>
+        </p:nvCxnSpPr>
+        <p:spPr>
+          <a:xfrm>
+            <a:off x="2560320" y="4630009"/>
+            <a:ext cx="3042458" cy="0"/>
+          </a:xfrm>
+          <a:prstGeom prst="line">
+            <a:avLst/>
+          </a:prstGeom>
+          <a:ln w="53975">
+            <a:solidFill>
+              <a:schemeClr val="tx1"/>
+            </a:solidFill>
+            <a:prstDash val="sysDash"/>
+          </a:ln>
+        </p:spPr>
+        <p:style>
+          <a:lnRef idx="1">
+            <a:schemeClr val="accent1"/>
+          </a:lnRef>
+          <a:fillRef idx="0">
+            <a:schemeClr val="accent1"/>
+          </a:fillRef>
+          <a:effectRef idx="0">
+            <a:schemeClr val="accent1"/>
+          </a:effectRef>
+          <a:fontRef idx="minor">
+            <a:schemeClr val="tx1"/>
+          </a:fontRef>
+        </p:style>
+      </p:cxnSp>
+      <p:sp>
+        <p:nvSpPr>
+          <p:cNvPr id="18" name="TextBox 17">
+            <a:extLst>
+              <a:ext uri="{FF2B5EF4-FFF2-40B4-BE49-F238E27FC236}">
+                <a16:creationId xmlns:a16="http://schemas.microsoft.com/office/drawing/2014/main" id="{F81374DA-6723-4317-8897-2A0F32CD595B}"/>
+              </a:ext>
+            </a:extLst>
+          </p:cNvPr>
+          <p:cNvSpPr txBox="1"/>
+          <p:nvPr/>
+        </p:nvSpPr>
+        <p:spPr>
+          <a:xfrm>
+            <a:off x="2560320" y="4729080"/>
+            <a:ext cx="3180604" cy="1709122"/>
+          </a:xfrm>
+          <a:prstGeom prst="rect">
+            <a:avLst/>
+          </a:prstGeom>
+          <a:noFill/>
+        </p:spPr>
+        <p:txBody>
+          <a:bodyPr wrap="square" rtlCol="0">
+            <a:spAutoFit/>
+          </a:bodyPr>
+          <a:lstStyle/>
+          <a:p>
+            <a:pPr>
+              <a:lnSpc>
+                <a:spcPct val="150000"/>
+              </a:lnSpc>
+            </a:pPr>
+            <a:r>
+              <a:rPr lang="ko-KR" altLang="en-US" dirty="0"/>
+              <a:t>김 대 현</a:t>
+            </a:r>
+            <a:endParaRPr lang="en-US" altLang="ko-KR" dirty="0"/>
+          </a:p>
+          <a:p>
+            <a:pPr>
+              <a:lnSpc>
+                <a:spcPct val="150000"/>
+              </a:lnSpc>
+            </a:pPr>
+            <a:r>
+              <a:rPr lang="ko-KR" altLang="en-US" dirty="0"/>
+              <a:t>쓰레기 처리 관련 데이터 수집</a:t>
+            </a:r>
+            <a:endParaRPr lang="en-US" altLang="ko-KR" dirty="0"/>
+          </a:p>
+          <a:p>
+            <a:pPr>
+              <a:lnSpc>
+                <a:spcPct val="150000"/>
+              </a:lnSpc>
+            </a:pPr>
+            <a:r>
+              <a:rPr lang="ko-KR" altLang="en-US" dirty="0"/>
+              <a:t>쓰레기 처리 관련 데이터 분석</a:t>
+            </a:r>
+            <a:endParaRPr lang="en-US" altLang="ko-KR" dirty="0"/>
+          </a:p>
+          <a:p>
+            <a:pPr>
+              <a:lnSpc>
+                <a:spcPct val="150000"/>
+              </a:lnSpc>
+            </a:pPr>
+            <a:r>
+              <a:rPr lang="ko-KR" altLang="en-US" dirty="0"/>
+              <a:t>발표 </a:t>
+            </a:r>
+            <a:r>
+              <a:rPr lang="en-US" altLang="ko-KR" dirty="0"/>
+              <a:t>PPT</a:t>
+            </a:r>
+            <a:r>
+              <a:rPr lang="ko-KR" altLang="en-US" dirty="0"/>
+              <a:t> 제작</a:t>
+            </a:r>
+            <a:endParaRPr lang="en-US" altLang="ko-KR" dirty="0"/>
+          </a:p>
+        </p:txBody>
+      </p:sp>
+      <p:cxnSp>
+        <p:nvCxnSpPr>
+          <p:cNvPr id="19" name="직선 연결선 18">
+            <a:extLst>
+              <a:ext uri="{FF2B5EF4-FFF2-40B4-BE49-F238E27FC236}">
+                <a16:creationId xmlns:a16="http://schemas.microsoft.com/office/drawing/2014/main" id="{BC991C64-BE63-414A-B5D4-DFB4D1C58393}"/>
+              </a:ext>
+            </a:extLst>
+          </p:cNvPr>
+          <p:cNvCxnSpPr/>
+          <p:nvPr/>
+        </p:nvCxnSpPr>
+        <p:spPr>
+          <a:xfrm>
+            <a:off x="7944541" y="6522920"/>
+            <a:ext cx="3042458" cy="0"/>
+          </a:xfrm>
+          <a:prstGeom prst="line">
+            <a:avLst/>
+          </a:prstGeom>
+          <a:ln w="53975">
+            <a:solidFill>
+              <a:schemeClr val="tx1"/>
+            </a:solidFill>
+            <a:prstDash val="sysDash"/>
+          </a:ln>
+        </p:spPr>
+        <p:style>
+          <a:lnRef idx="1">
+            <a:schemeClr val="accent1"/>
+          </a:lnRef>
+          <a:fillRef idx="0">
+            <a:schemeClr val="accent1"/>
+          </a:fillRef>
+          <a:effectRef idx="0">
+            <a:schemeClr val="accent1"/>
+          </a:effectRef>
+          <a:fontRef idx="minor">
+            <a:schemeClr val="tx1"/>
+          </a:fontRef>
+        </p:style>
+      </p:cxnSp>
+      <p:cxnSp>
+        <p:nvCxnSpPr>
+          <p:cNvPr id="20" name="직선 연결선 19">
+            <a:extLst>
+              <a:ext uri="{FF2B5EF4-FFF2-40B4-BE49-F238E27FC236}">
+                <a16:creationId xmlns:a16="http://schemas.microsoft.com/office/drawing/2014/main" id="{60E239F2-DF8F-4660-932D-6B71002E1B5C}"/>
+              </a:ext>
+            </a:extLst>
+          </p:cNvPr>
+          <p:cNvCxnSpPr/>
+          <p:nvPr/>
+        </p:nvCxnSpPr>
+        <p:spPr>
+          <a:xfrm>
+            <a:off x="7944541" y="4664513"/>
+            <a:ext cx="3042458" cy="0"/>
+          </a:xfrm>
+          <a:prstGeom prst="line">
+            <a:avLst/>
+          </a:prstGeom>
+          <a:ln w="53975">
+            <a:solidFill>
+              <a:schemeClr val="tx1"/>
+            </a:solidFill>
+            <a:prstDash val="sysDash"/>
+          </a:ln>
+        </p:spPr>
+        <p:style>
+          <a:lnRef idx="1">
+            <a:schemeClr val="accent1"/>
+          </a:lnRef>
+          <a:fillRef idx="0">
+            <a:schemeClr val="accent1"/>
+          </a:fillRef>
+          <a:effectRef idx="0">
+            <a:schemeClr val="accent1"/>
+          </a:effectRef>
+          <a:fontRef idx="minor">
+            <a:schemeClr val="tx1"/>
+          </a:fontRef>
+        </p:style>
+      </p:cxnSp>
+      <p:sp>
+        <p:nvSpPr>
+          <p:cNvPr id="21" name="TextBox 20">
+            <a:extLst>
+              <a:ext uri="{FF2B5EF4-FFF2-40B4-BE49-F238E27FC236}">
+                <a16:creationId xmlns:a16="http://schemas.microsoft.com/office/drawing/2014/main" id="{EE328E22-DC8D-47E1-A6E5-A0A9C5DE010F}"/>
+              </a:ext>
+            </a:extLst>
+          </p:cNvPr>
+          <p:cNvSpPr txBox="1"/>
+          <p:nvPr/>
+        </p:nvSpPr>
+        <p:spPr>
+          <a:xfrm>
+            <a:off x="7944541" y="4806714"/>
+            <a:ext cx="3180604" cy="1709122"/>
+          </a:xfrm>
+          <a:prstGeom prst="rect">
+            <a:avLst/>
+          </a:prstGeom>
+          <a:noFill/>
+        </p:spPr>
+        <p:txBody>
+          <a:bodyPr wrap="square" rtlCol="0">
+            <a:spAutoFit/>
+          </a:bodyPr>
+          <a:lstStyle/>
+          <a:p>
+            <a:pPr>
+              <a:lnSpc>
+                <a:spcPct val="150000"/>
+              </a:lnSpc>
+            </a:pPr>
+            <a:r>
+              <a:rPr lang="ko-KR" altLang="en-US" dirty="0"/>
+              <a:t>현 동 </a:t>
+            </a:r>
+            <a:r>
+              <a:rPr lang="ko-KR" altLang="en-US" dirty="0" err="1"/>
+              <a:t>엽</a:t>
+            </a:r>
+            <a:endParaRPr lang="en-US" altLang="ko-KR" dirty="0"/>
+          </a:p>
+          <a:p>
+            <a:pPr>
+              <a:lnSpc>
+                <a:spcPct val="150000"/>
+              </a:lnSpc>
+            </a:pPr>
+            <a:r>
+              <a:rPr lang="ko-KR" altLang="en-US" dirty="0"/>
+              <a:t>지역 데이터 수집</a:t>
+            </a:r>
+            <a:endParaRPr lang="en-US" altLang="ko-KR" dirty="0"/>
+          </a:p>
+          <a:p>
+            <a:pPr>
+              <a:lnSpc>
+                <a:spcPct val="150000"/>
+              </a:lnSpc>
+            </a:pPr>
+            <a:r>
+              <a:rPr lang="ko-KR" altLang="en-US" dirty="0"/>
+              <a:t>지역 데이터 분석</a:t>
+            </a:r>
+            <a:endParaRPr lang="en-US" altLang="ko-KR" dirty="0"/>
+          </a:p>
+          <a:p>
+            <a:pPr>
+              <a:lnSpc>
+                <a:spcPct val="150000"/>
+              </a:lnSpc>
+            </a:pPr>
+            <a:r>
+              <a:rPr lang="ko-KR" altLang="en-US" dirty="0"/>
+              <a:t>모델 탐색</a:t>
+            </a:r>
+            <a:endParaRPr lang="en-US" altLang="ko-KR" dirty="0"/>
+          </a:p>
+        </p:txBody>
+      </p:sp>
+      <p:sp>
+        <p:nvSpPr>
+          <p:cNvPr id="23" name="타원 22">
+            <a:extLst>
+              <a:ext uri="{FF2B5EF4-FFF2-40B4-BE49-F238E27FC236}">
+                <a16:creationId xmlns:a16="http://schemas.microsoft.com/office/drawing/2014/main" id="{53B79E2A-61BB-4E04-82EF-70C18E0BA532}"/>
+              </a:ext>
+            </a:extLst>
+          </p:cNvPr>
+          <p:cNvSpPr/>
+          <p:nvPr/>
+        </p:nvSpPr>
+        <p:spPr>
+          <a:xfrm>
+            <a:off x="6096000" y="2398143"/>
+            <a:ext cx="1656271" cy="1656271"/>
+          </a:xfrm>
+          <a:prstGeom prst="ellipse">
+            <a:avLst/>
+          </a:prstGeom>
+          <a:blipFill dpi="0" rotWithShape="1">
+            <a:blip r:embed="rId3">
+              <a:extLst>
+                <a:ext uri="{28A0092B-C50C-407E-A947-70E740481C1C}">
+                  <a14:useLocalDpi xmlns:a14="http://schemas.microsoft.com/office/drawing/2010/main" val="0"/>
+                </a:ext>
+              </a:extLst>
+            </a:blip>
+            <a:srcRect/>
+            <a:stretch>
+              <a:fillRect/>
+            </a:stretch>
+          </a:blipFill>
+          <a:ln>
+            <a:noFill/>
+          </a:ln>
+        </p:spPr>
+        <p:style>
+          <a:lnRef idx="2">
+            <a:schemeClr val="accent1">
+              <a:shade val="50000"/>
+            </a:schemeClr>
+          </a:lnRef>
+          <a:fillRef idx="1">
+            <a:schemeClr val="accent1"/>
+          </a:fillRef>
+          <a:effectRef idx="0">
+            <a:schemeClr val="accent1"/>
+          </a:effectRef>
+          <a:fontRef idx="minor">
+            <a:schemeClr val="lt1"/>
+          </a:fontRef>
+        </p:style>
+        <p:txBody>
+          <a:bodyPr rtlCol="0" anchor="ctr"/>
+          <a:lstStyle/>
+          <a:p>
+            <a:pPr algn="ctr"/>
+            <a:endParaRPr lang="ko-KR" altLang="en-US"/>
+          </a:p>
+        </p:txBody>
+      </p:sp>
+      <p:sp>
+        <p:nvSpPr>
+          <p:cNvPr id="24" name="타원 23">
+            <a:extLst>
+              <a:ext uri="{FF2B5EF4-FFF2-40B4-BE49-F238E27FC236}">
+                <a16:creationId xmlns:a16="http://schemas.microsoft.com/office/drawing/2014/main" id="{AD7A7F84-4EA4-4978-A8F7-DD1DBD370CC6}"/>
+              </a:ext>
+            </a:extLst>
+          </p:cNvPr>
+          <p:cNvSpPr/>
+          <p:nvPr/>
+        </p:nvSpPr>
+        <p:spPr>
+          <a:xfrm>
+            <a:off x="711779" y="2446165"/>
+            <a:ext cx="1656271" cy="1656271"/>
+          </a:xfrm>
+          <a:prstGeom prst="ellipse">
+            <a:avLst/>
+          </a:prstGeom>
+          <a:blipFill dpi="0" rotWithShape="1">
+            <a:blip r:embed="rId2">
+              <a:extLst>
+                <a:ext uri="{28A0092B-C50C-407E-A947-70E740481C1C}">
+                  <a14:useLocalDpi xmlns:a14="http://schemas.microsoft.com/office/drawing/2010/main" val="0"/>
+                </a:ext>
+              </a:extLst>
+            </a:blip>
+            <a:srcRect/>
+            <a:stretch>
+              <a:fillRect/>
+            </a:stretch>
+          </a:blipFill>
+          <a:ln>
+            <a:noFill/>
+          </a:ln>
+        </p:spPr>
+        <p:style>
+          <a:lnRef idx="2">
+            <a:schemeClr val="accent1">
+              <a:shade val="50000"/>
+            </a:schemeClr>
+          </a:lnRef>
+          <a:fillRef idx="1">
+            <a:schemeClr val="accent1"/>
+          </a:fillRef>
+          <a:effectRef idx="0">
+            <a:schemeClr val="accent1"/>
+          </a:effectRef>
+          <a:fontRef idx="minor">
+            <a:schemeClr val="lt1"/>
+          </a:fontRef>
+        </p:style>
+        <p:txBody>
+          <a:bodyPr rtlCol="0" anchor="ctr"/>
+          <a:lstStyle/>
+          <a:p>
+            <a:pPr algn="ctr"/>
+            <a:endParaRPr lang="ko-KR" altLang="en-US"/>
+          </a:p>
+        </p:txBody>
+      </p:sp>
+    </p:spTree>
+    <p:extLst>
+      <p:ext uri="{BB962C8B-B14F-4D97-AF65-F5344CB8AC3E}">
+        <p14:creationId xmlns:p14="http://schemas.microsoft.com/office/powerpoint/2010/main" val="1199911923"/>
+      </p:ext>
+    </p:extLst>
+  </p:cSld>
+  <p:clrMapOvr>
+    <a:masterClrMapping/>
+  </p:clrMapOvr>
+</p:sld>
+</file>
+
+<file path=ppt/slides/slide4.xml><?xml version="1.0" encoding="utf-8"?>
 <p:sld xmlns:a="http://schemas.openxmlformats.org/drawingml/2006/main" xmlns:r="http://schemas.openxmlformats.org/officeDocument/2006/relationships" xmlns:p="http://schemas.openxmlformats.org/presentationml/2006/main">
   <p:cSld>
     <p:spTree>
@@ -5058,7 +7083,7 @@
 </p:sld>
 </file>
 
-<file path=ppt/slides/slide4.xml><?xml version="1.0" encoding="utf-8"?>
+<file path=ppt/slides/slide5.xml><?xml version="1.0" encoding="utf-8"?>
 <p:sld xmlns:a="http://schemas.openxmlformats.org/drawingml/2006/main" xmlns:r="http://schemas.openxmlformats.org/officeDocument/2006/relationships" xmlns:p="http://schemas.openxmlformats.org/presentationml/2006/main">
   <p:cSld>
     <p:spTree>
@@ -5276,7 +7301,7 @@
             </a:r>
             <a:r>
               <a:rPr lang="en-US" altLang="ko-KR" sz="2000" dirty="0"/>
-              <a:t>46.4 , </a:t>
+              <a:t>46.2 , </a:t>
             </a:r>
             <a:r>
               <a:rPr lang="ko-KR" altLang="en-US" sz="2000" dirty="0"/>
@@ -5303,7 +7328,7 @@
 </p:sld>
 </file>
 
-<file path=ppt/slides/slide5.xml><?xml version="1.0" encoding="utf-8"?>
+<file path=ppt/slides/slide6.xml><?xml version="1.0" encoding="utf-8"?>
 <p:sld xmlns:a="http://schemas.openxmlformats.org/drawingml/2006/main" xmlns:r="http://schemas.openxmlformats.org/officeDocument/2006/relationships" xmlns:p="http://schemas.openxmlformats.org/presentationml/2006/main">
   <p:cSld>
     <p:spTree>
@@ -5594,192 +7619,6 @@
 </p:sld>
 </file>
 
-<file path=ppt/slides/slide6.xml><?xml version="1.0" encoding="utf-8"?>
-<p:sld xmlns:a="http://schemas.openxmlformats.org/drawingml/2006/main" xmlns:r="http://schemas.openxmlformats.org/officeDocument/2006/relationships" xmlns:p="http://schemas.openxmlformats.org/presentationml/2006/main">
-  <p:cSld>
-    <p:spTree>
-      <p:nvGrpSpPr>
-        <p:cNvPr id="1" name=""/>
-        <p:cNvGrpSpPr/>
-        <p:nvPr/>
-      </p:nvGrpSpPr>
-      <p:grpSpPr>
-        <a:xfrm>
-          <a:off x="0" y="0"/>
-          <a:ext cx="0" cy="0"/>
-          <a:chOff x="0" y="0"/>
-          <a:chExt cx="0" cy="0"/>
-        </a:xfrm>
-      </p:grpSpPr>
-      <p:sp>
-        <p:nvSpPr>
-          <p:cNvPr id="2" name="제목 1">
-            <a:extLst>
-              <a:ext uri="{FF2B5EF4-FFF2-40B4-BE49-F238E27FC236}">
-                <a16:creationId xmlns:a16="http://schemas.microsoft.com/office/drawing/2014/main" id="{5573004E-1D02-4C3C-9DF7-AFE37041D6EA}"/>
-              </a:ext>
-            </a:extLst>
-          </p:cNvPr>
-          <p:cNvSpPr>
-            <a:spLocks noGrp="1"/>
-          </p:cNvSpPr>
-          <p:nvPr>
-            <p:ph type="title"/>
-          </p:nvPr>
-        </p:nvSpPr>
-        <p:spPr>
-          <a:xfrm>
-            <a:off x="508327" y="249007"/>
-            <a:ext cx="9784080" cy="1508760"/>
-          </a:xfrm>
-        </p:spPr>
-        <p:txBody>
-          <a:bodyPr/>
-          <a:lstStyle/>
-          <a:p>
-            <a:r>
-              <a:rPr lang="ko-KR" altLang="en-US" dirty="0"/>
-              <a:t>활용데이터</a:t>
-            </a:r>
-          </a:p>
-        </p:txBody>
-      </p:sp>
-      <p:sp>
-        <p:nvSpPr>
-          <p:cNvPr id="3" name="TextBox 2">
-            <a:extLst>
-              <a:ext uri="{FF2B5EF4-FFF2-40B4-BE49-F238E27FC236}">
-                <a16:creationId xmlns:a16="http://schemas.microsoft.com/office/drawing/2014/main" id="{37142759-29C7-433E-8133-CBF64B055EC9}"/>
-              </a:ext>
-            </a:extLst>
-          </p:cNvPr>
-          <p:cNvSpPr txBox="1"/>
-          <p:nvPr/>
-        </p:nvSpPr>
-        <p:spPr>
-          <a:xfrm>
-            <a:off x="575187" y="2330245"/>
-            <a:ext cx="9276736" cy="2862322"/>
-          </a:xfrm>
-          <a:prstGeom prst="rect">
-            <a:avLst/>
-          </a:prstGeom>
-          <a:noFill/>
-        </p:spPr>
-        <p:txBody>
-          <a:bodyPr wrap="square" rtlCol="0">
-            <a:spAutoFit/>
-          </a:bodyPr>
-          <a:lstStyle/>
-          <a:p>
-            <a:r>
-              <a:rPr lang="ko-KR" altLang="en-US" sz="2000" dirty="0" err="1"/>
-              <a:t>ㅇ</a:t>
-            </a:r>
-            <a:r>
-              <a:rPr lang="ko-KR" altLang="en-US" sz="2000" dirty="0"/>
-              <a:t> 제주도 </a:t>
-            </a:r>
-            <a:r>
-              <a:rPr lang="ko-KR" altLang="en-US" sz="2000" dirty="0" err="1"/>
-              <a:t>클린하우스</a:t>
-            </a:r>
-            <a:r>
-              <a:rPr lang="ko-KR" altLang="en-US" sz="2000" dirty="0"/>
-              <a:t> 현황</a:t>
-            </a:r>
-            <a:endParaRPr lang="en-US" altLang="ko-KR" sz="2000" dirty="0"/>
-          </a:p>
-          <a:p>
-            <a:endParaRPr lang="en-US" altLang="ko-KR" sz="2000" dirty="0"/>
-          </a:p>
-          <a:p>
-            <a:r>
-              <a:rPr lang="ko-KR" altLang="en-US" sz="2000" dirty="0" err="1"/>
-              <a:t>ㅇ</a:t>
-            </a:r>
-            <a:r>
-              <a:rPr lang="ko-KR" altLang="en-US" sz="2000" dirty="0"/>
-              <a:t> 제주도 재활용도움센터 현황</a:t>
-            </a:r>
-            <a:endParaRPr lang="en-US" altLang="ko-KR" sz="2000" dirty="0"/>
-          </a:p>
-          <a:p>
-            <a:endParaRPr lang="en-US" altLang="ko-KR" sz="2000" dirty="0"/>
-          </a:p>
-          <a:p>
-            <a:r>
-              <a:rPr lang="ko-KR" altLang="en-US" sz="2000" dirty="0" err="1"/>
-              <a:t>ㅇ</a:t>
-            </a:r>
-            <a:r>
-              <a:rPr lang="ko-KR" altLang="en-US" sz="2000" dirty="0"/>
-              <a:t> 제주도 지역별 거주인구</a:t>
-            </a:r>
-            <a:endParaRPr lang="en-US" altLang="ko-KR" sz="2000" dirty="0"/>
-          </a:p>
-          <a:p>
-            <a:endParaRPr lang="en-US" altLang="ko-KR" sz="2000" dirty="0"/>
-          </a:p>
-          <a:p>
-            <a:r>
-              <a:rPr lang="ko-KR" altLang="en-US" sz="2000" dirty="0" err="1"/>
-              <a:t>ㅇ</a:t>
-            </a:r>
-            <a:r>
-              <a:rPr lang="ko-KR" altLang="en-US" sz="2000" dirty="0"/>
-              <a:t> 제주도 지역별 </a:t>
-            </a:r>
-            <a:r>
-              <a:rPr lang="ko-KR" altLang="en-US" sz="2000" dirty="0" err="1"/>
-              <a:t>점포수</a:t>
-            </a:r>
-            <a:endParaRPr lang="en-US" altLang="ko-KR" sz="2000" dirty="0"/>
-          </a:p>
-          <a:p>
-            <a:endParaRPr lang="en-US" altLang="ko-KR" sz="2000" dirty="0"/>
-          </a:p>
-          <a:p>
-            <a:r>
-              <a:rPr lang="ko-KR" altLang="en-US" sz="2000" dirty="0" err="1"/>
-              <a:t>ㅇ</a:t>
-            </a:r>
-            <a:r>
-              <a:rPr lang="ko-KR" altLang="en-US" sz="2000" dirty="0"/>
-              <a:t> </a:t>
-            </a:r>
-            <a:r>
-              <a:rPr lang="en-US" altLang="ko-KR" sz="2000" dirty="0"/>
-              <a:t>1</a:t>
-            </a:r>
-            <a:r>
-              <a:rPr lang="ko-KR" altLang="en-US" sz="2000" dirty="0"/>
-              <a:t>인당</a:t>
-            </a:r>
-            <a:r>
-              <a:rPr lang="en-US" altLang="ko-KR" sz="2000" dirty="0"/>
-              <a:t>/1</a:t>
-            </a:r>
-            <a:r>
-              <a:rPr lang="ko-KR" altLang="en-US" sz="2000" dirty="0"/>
-              <a:t>일당 쓰레기 배출량</a:t>
-            </a:r>
-          </a:p>
-        </p:txBody>
-      </p:sp>
-    </p:spTree>
-    <p:extLst>
-      <p:ext uri="{BB962C8B-B14F-4D97-AF65-F5344CB8AC3E}">
-        <p14:creationId xmlns:p14="http://schemas.microsoft.com/office/powerpoint/2010/main" val="964489974"/>
-      </p:ext>
-    </p:extLst>
-  </p:cSld>
-  <p:clrMapOvr>
-    <a:masterClrMapping/>
-  </p:clrMapOvr>
-</p:sld>
-</file>
-
 <file path=ppt/slides/slide7.xml><?xml version="1.0" encoding="utf-8"?>
 <p:sld xmlns:a="http://schemas.openxmlformats.org/drawingml/2006/main" xmlns:r="http://schemas.openxmlformats.org/officeDocument/2006/relationships" xmlns:p="http://schemas.openxmlformats.org/presentationml/2006/main">
   <p:cSld>
@@ -5815,7 +7654,7 @@
         </p:nvSpPr>
         <p:spPr>
           <a:xfrm>
-            <a:off x="490742" y="266591"/>
+            <a:off x="508327" y="249007"/>
             <a:ext cx="9784080" cy="1508760"/>
           </a:xfrm>
         </p:spPr>
@@ -5825,25 +7664,17 @@
           <a:p>
             <a:r>
               <a:rPr lang="ko-KR" altLang="en-US" dirty="0"/>
-              <a:t>데이터 </a:t>
-            </a:r>
-            <a:r>
-              <a:rPr lang="ko-KR" altLang="en-US" dirty="0" err="1"/>
-              <a:t>전처리</a:t>
-            </a:r>
-            <a:r>
-              <a:rPr lang="ko-KR" altLang="en-US" dirty="0"/>
-              <a:t> 방향</a:t>
-            </a:r>
-          </a:p>
-        </p:txBody>
-      </p:sp>
-      <p:sp>
-        <p:nvSpPr>
-          <p:cNvPr id="4" name="TextBox 3">
+              <a:t>활용데이터</a:t>
+            </a:r>
+          </a:p>
+        </p:txBody>
+      </p:sp>
+      <p:sp>
+        <p:nvSpPr>
+          <p:cNvPr id="3" name="TextBox 2">
             <a:extLst>
               <a:ext uri="{FF2B5EF4-FFF2-40B4-BE49-F238E27FC236}">
-                <a16:creationId xmlns:a16="http://schemas.microsoft.com/office/drawing/2014/main" id="{7D43268F-77D9-4E9D-B184-9A8C0360E789}"/>
+                <a16:creationId xmlns:a16="http://schemas.microsoft.com/office/drawing/2014/main" id="{37142759-29C7-433E-8133-CBF64B055EC9}"/>
               </a:ext>
             </a:extLst>
           </p:cNvPr>
@@ -5852,8 +7683,8 @@
         </p:nvSpPr>
         <p:spPr>
           <a:xfrm>
-            <a:off x="575187" y="1929195"/>
-            <a:ext cx="9276736" cy="5122941"/>
+            <a:off x="1271773" y="1941253"/>
+            <a:ext cx="4011101" cy="5016758"/>
           </a:xfrm>
           <a:prstGeom prst="rect">
             <a:avLst/>
@@ -5866,53 +7697,185 @@
           </a:bodyPr>
           <a:lstStyle/>
           <a:p>
-            <a:pPr>
-              <a:lnSpc>
-                <a:spcPct val="150000"/>
-              </a:lnSpc>
-            </a:pPr>
+            <a:endParaRPr lang="en-US" altLang="ko-KR" sz="2000" dirty="0"/>
+          </a:p>
+          <a:p>
+            <a:endParaRPr lang="en-US" altLang="ko-KR" sz="2000" dirty="0"/>
+          </a:p>
+          <a:p>
             <a:r>
               <a:rPr lang="ko-KR" altLang="en-US" sz="2000" dirty="0" err="1"/>
               <a:t>ㅇ</a:t>
             </a:r>
             <a:r>
               <a:rPr lang="ko-KR" altLang="en-US" sz="2000" dirty="0"/>
-              <a:t> 제주도 지역별 거주인구 </a:t>
-            </a:r>
-            <a:r>
-              <a:rPr lang="en-US" altLang="ko-KR" sz="2000" dirty="0"/>
-              <a:t>, </a:t>
-            </a:r>
-            <a:r>
-              <a:rPr lang="ko-KR" altLang="en-US" sz="2000" dirty="0"/>
-              <a:t>점포 수와 쓰레기 배출량 상관 관계 분석</a:t>
+              <a:t> 제주도 유동인구</a:t>
             </a:r>
             <a:endParaRPr lang="en-US" altLang="ko-KR" sz="2000" dirty="0"/>
           </a:p>
           <a:p>
-            <a:pPr>
-              <a:lnSpc>
-                <a:spcPct val="150000"/>
-              </a:lnSpc>
-            </a:pPr>
-            <a:r>
-              <a:rPr lang="en-US" altLang="ko-KR" sz="2000" dirty="0"/>
-              <a:t>  </a:t>
-            </a:r>
-          </a:p>
-          <a:p>
-            <a:pPr>
-              <a:lnSpc>
-                <a:spcPct val="150000"/>
-              </a:lnSpc>
-            </a:pPr>
+            <a:endParaRPr lang="en-US" altLang="ko-KR" sz="2000" dirty="0"/>
+          </a:p>
+          <a:p>
             <a:r>
               <a:rPr lang="ko-KR" altLang="en-US" sz="2000" dirty="0" err="1"/>
               <a:t>ㅇ</a:t>
             </a:r>
             <a:r>
               <a:rPr lang="ko-KR" altLang="en-US" sz="2000" dirty="0"/>
-              <a:t> 동 별 </a:t>
+              <a:t> 제주도 지역별 </a:t>
+            </a:r>
+            <a:r>
+              <a:rPr lang="ko-KR" altLang="en-US" sz="2000" dirty="0" err="1"/>
+              <a:t>점포수</a:t>
+            </a:r>
+            <a:endParaRPr lang="en-US" altLang="ko-KR" sz="2000" dirty="0"/>
+          </a:p>
+          <a:p>
+            <a:endParaRPr lang="en-US" altLang="ko-KR" sz="2000" dirty="0"/>
+          </a:p>
+          <a:p>
+            <a:r>
+              <a:rPr lang="ko-KR" altLang="en-US" sz="2000" dirty="0" err="1"/>
+              <a:t>ㅇ</a:t>
+            </a:r>
+            <a:r>
+              <a:rPr lang="ko-KR" altLang="en-US" sz="2000" dirty="0"/>
+              <a:t> 지역별 소득 격차</a:t>
+            </a:r>
+            <a:endParaRPr lang="en-US" altLang="ko-KR" sz="2000" dirty="0"/>
+          </a:p>
+          <a:p>
+            <a:endParaRPr lang="en-US" altLang="ko-KR" sz="2000" dirty="0"/>
+          </a:p>
+          <a:p>
+            <a:r>
+              <a:rPr lang="ko-KR" altLang="en-US" sz="2000" dirty="0" err="1"/>
+              <a:t>ㅇ</a:t>
+            </a:r>
+            <a:r>
+              <a:rPr lang="ko-KR" altLang="en-US" sz="2000" dirty="0"/>
+              <a:t> 지역별 관광객 수</a:t>
+            </a:r>
+            <a:endParaRPr lang="en-US" altLang="ko-KR" sz="2000" dirty="0"/>
+          </a:p>
+          <a:p>
+            <a:endParaRPr lang="en-US" altLang="ko-KR" sz="2000" dirty="0"/>
+          </a:p>
+          <a:p>
+            <a:r>
+              <a:rPr lang="ko-KR" altLang="en-US" sz="2000" dirty="0" err="1"/>
+              <a:t>ㅇ</a:t>
+            </a:r>
+            <a:r>
+              <a:rPr lang="ko-KR" altLang="en-US" sz="2000" dirty="0"/>
+              <a:t> 지역별 자동차 등록 현황</a:t>
+            </a:r>
+            <a:endParaRPr lang="en-US" altLang="ko-KR" sz="2000" dirty="0"/>
+          </a:p>
+          <a:p>
+            <a:endParaRPr lang="en-US" altLang="ko-KR" sz="2000" dirty="0"/>
+          </a:p>
+          <a:p>
+            <a:r>
+              <a:rPr lang="ko-KR" altLang="en-US" sz="2000" dirty="0" err="1"/>
+              <a:t>ㅇ</a:t>
+            </a:r>
+            <a:r>
+              <a:rPr lang="ko-KR" altLang="en-US" sz="2000" dirty="0"/>
+              <a:t> 제주도 지역별 거주인구</a:t>
+            </a:r>
+            <a:endParaRPr lang="en-US" altLang="ko-KR" sz="2000" dirty="0"/>
+          </a:p>
+          <a:p>
+            <a:endParaRPr lang="en-US" altLang="ko-KR" sz="2000" dirty="0"/>
+          </a:p>
+          <a:p>
+            <a:r>
+              <a:rPr lang="ko-KR" altLang="en-US" sz="2000" dirty="0" err="1"/>
+              <a:t>ㅇ</a:t>
+            </a:r>
+            <a:r>
+              <a:rPr lang="ko-KR" altLang="en-US" sz="2000" dirty="0"/>
+              <a:t> 지역별 소비 현황</a:t>
+            </a:r>
+          </a:p>
+          <a:p>
+            <a:endParaRPr lang="en-US" altLang="ko-KR" sz="2000" dirty="0"/>
+          </a:p>
+        </p:txBody>
+      </p:sp>
+      <p:sp>
+        <p:nvSpPr>
+          <p:cNvPr id="4" name="TextBox 3">
+            <a:extLst>
+              <a:ext uri="{FF2B5EF4-FFF2-40B4-BE49-F238E27FC236}">
+                <a16:creationId xmlns:a16="http://schemas.microsoft.com/office/drawing/2014/main" id="{9B606BB2-85AA-48B6-BD66-229BAF85755D}"/>
+              </a:ext>
+            </a:extLst>
+          </p:cNvPr>
+          <p:cNvSpPr txBox="1"/>
+          <p:nvPr/>
+        </p:nvSpPr>
+        <p:spPr>
+          <a:xfrm>
+            <a:off x="7256087" y="2458837"/>
+            <a:ext cx="4002474" cy="2862322"/>
+          </a:xfrm>
+          <a:prstGeom prst="rect">
+            <a:avLst/>
+          </a:prstGeom>
+          <a:noFill/>
+        </p:spPr>
+        <p:txBody>
+          <a:bodyPr wrap="square" rtlCol="0">
+            <a:spAutoFit/>
+          </a:bodyPr>
+          <a:lstStyle/>
+          <a:p>
+            <a:r>
+              <a:rPr lang="ko-KR" altLang="en-US" sz="2000" dirty="0" err="1"/>
+              <a:t>ㅇ</a:t>
+            </a:r>
+            <a:r>
+              <a:rPr lang="ko-KR" altLang="en-US" sz="2000" dirty="0"/>
+              <a:t> 제주도 </a:t>
+            </a:r>
+            <a:r>
+              <a:rPr lang="ko-KR" altLang="en-US" sz="2000" dirty="0" err="1"/>
+              <a:t>클린하우스</a:t>
+            </a:r>
+            <a:r>
+              <a:rPr lang="ko-KR" altLang="en-US" sz="2000" dirty="0"/>
+              <a:t> 현황</a:t>
+            </a:r>
+            <a:endParaRPr lang="en-US" altLang="ko-KR" sz="2000" dirty="0"/>
+          </a:p>
+          <a:p>
+            <a:r>
+              <a:rPr lang="en-US" altLang="ko-KR" sz="2000" dirty="0"/>
+              <a:t>      ( CCTV </a:t>
+            </a:r>
+            <a:r>
+              <a:rPr lang="ko-KR" altLang="en-US" sz="2000" dirty="0"/>
+              <a:t>설치 장소로 파악</a:t>
+            </a:r>
+            <a:r>
+              <a:rPr lang="en-US" altLang="ko-KR" sz="2000" dirty="0"/>
+              <a:t>)</a:t>
+            </a:r>
+          </a:p>
+          <a:p>
+            <a:endParaRPr lang="en-US" altLang="ko-KR" sz="2000" dirty="0"/>
+          </a:p>
+          <a:p>
+            <a:r>
+              <a:rPr lang="ko-KR" altLang="en-US" sz="2000" dirty="0" err="1"/>
+              <a:t>ㅇ</a:t>
+            </a:r>
+            <a:r>
+              <a:rPr lang="ko-KR" altLang="en-US" sz="2000" dirty="0"/>
+              <a:t> 제주도 </a:t>
             </a:r>
             <a:r>
               <a:rPr lang="ko-KR" altLang="en-US" sz="2000" dirty="0" err="1"/>
@@ -5920,47 +7883,39 @@
             </a:r>
             <a:r>
               <a:rPr lang="ko-KR" altLang="en-US" sz="2000" dirty="0"/>
-              <a:t> 및 </a:t>
-            </a:r>
-            <a:r>
-              <a:rPr lang="ko-KR" altLang="en-US" sz="2000" dirty="0" err="1"/>
-              <a:t>클린하우스</a:t>
-            </a:r>
-            <a:r>
-              <a:rPr lang="ko-KR" altLang="en-US" sz="2000" dirty="0"/>
-              <a:t> 구분</a:t>
+              <a:t> 현황</a:t>
             </a:r>
             <a:endParaRPr lang="en-US" altLang="ko-KR" sz="2000" dirty="0"/>
           </a:p>
           <a:p>
-            <a:pPr>
-              <a:lnSpc>
-                <a:spcPct val="150000"/>
-              </a:lnSpc>
-            </a:pPr>
             <a:endParaRPr lang="en-US" altLang="ko-KR" sz="2000" dirty="0"/>
           </a:p>
           <a:p>
-            <a:pPr>
-              <a:lnSpc>
-                <a:spcPct val="150000"/>
-              </a:lnSpc>
-            </a:pPr>
             <a:r>
               <a:rPr lang="ko-KR" altLang="en-US" sz="2000" dirty="0" err="1"/>
               <a:t>ㅇ</a:t>
             </a:r>
             <a:r>
               <a:rPr lang="ko-KR" altLang="en-US" sz="2000" dirty="0"/>
-              <a:t> 쓰레기 배출량 </a:t>
+              <a:t> </a:t>
             </a:r>
             <a:r>
               <a:rPr lang="en-US" altLang="ko-KR" sz="2000" dirty="0"/>
-              <a:t>/ (</a:t>
-            </a:r>
+              <a:t>1</a:t>
+            </a:r>
+            <a:r>
+              <a:rPr lang="ko-KR" altLang="en-US" sz="2000" dirty="0"/>
+              <a:t>인당 쓰레기 배출량</a:t>
+            </a:r>
+            <a:endParaRPr lang="en-US" altLang="ko-KR" sz="2000" dirty="0"/>
+          </a:p>
+          <a:p>
+            <a:endParaRPr lang="en-US" altLang="ko-KR" sz="2000" dirty="0"/>
+          </a:p>
+          <a:p>
             <a:r>
               <a:rPr lang="ko-KR" altLang="en-US" sz="2000" dirty="0" err="1"/>
-              <a:t>클린하우스</a:t>
+              <a:t>ㅇ</a:t>
             </a:r>
             <a:r>
               <a:rPr lang="ko-KR" altLang="en-US" sz="2000" dirty="0"/>
@@ -5968,145 +7923,181 @@
             </a:r>
             <a:r>
               <a:rPr lang="en-US" altLang="ko-KR" sz="2000" dirty="0"/>
-              <a:t>+ </a:t>
-            </a:r>
-            <a:r>
-              <a:rPr lang="ko-KR" altLang="en-US" sz="2000" dirty="0" err="1"/>
-              <a:t>재활용도움센터</a:t>
-            </a:r>
-            <a:r>
-              <a:rPr lang="en-US" altLang="ko-KR" sz="2000" dirty="0"/>
-              <a:t>)</a:t>
-            </a:r>
-          </a:p>
-          <a:p>
-            <a:pPr>
-              <a:lnSpc>
-                <a:spcPct val="150000"/>
-              </a:lnSpc>
-            </a:pPr>
-            <a:r>
-              <a:rPr lang="en-US" altLang="ko-KR" sz="2000"/>
-              <a:t>   </a:t>
-            </a:r>
-          </a:p>
-          <a:p>
-            <a:pPr>
-              <a:lnSpc>
-                <a:spcPct val="150000"/>
-              </a:lnSpc>
-            </a:pPr>
+              <a:t>1</a:t>
+            </a:r>
+            <a:r>
+              <a:rPr lang="ko-KR" altLang="en-US" sz="2000" dirty="0"/>
+              <a:t>일당 쓰레기 배출량</a:t>
+            </a:r>
             <a:endParaRPr lang="en-US" altLang="ko-KR" sz="2000" dirty="0"/>
           </a:p>
           <a:p>
-            <a:pPr>
-              <a:lnSpc>
-                <a:spcPct val="150000"/>
-              </a:lnSpc>
-            </a:pPr>
-            <a:r>
-              <a:rPr lang="en-US" altLang="ko-KR" sz="2000" dirty="0">
-                <a:sym typeface="Wingdings" panose="05000000000000000000" pitchFamily="2" charset="2"/>
+            <a:endParaRPr lang="ko-KR" altLang="en-US" sz="2000" dirty="0"/>
+          </a:p>
+        </p:txBody>
+      </p:sp>
+      <p:cxnSp>
+        <p:nvCxnSpPr>
+          <p:cNvPr id="5" name="직선 연결선 4">
+            <a:extLst>
+              <a:ext uri="{FF2B5EF4-FFF2-40B4-BE49-F238E27FC236}">
+                <a16:creationId xmlns:a16="http://schemas.microsoft.com/office/drawing/2014/main" id="{1D7BC4AD-9855-4DD7-B657-9D98FEC73E7B}"/>
+              </a:ext>
+            </a:extLst>
+          </p:cNvPr>
+          <p:cNvCxnSpPr>
+            <a:cxnSpLocks/>
+          </p:cNvCxnSpPr>
+          <p:nvPr/>
+        </p:nvCxnSpPr>
+        <p:spPr>
+          <a:xfrm rot="16200000">
+            <a:off x="2712723" y="3626545"/>
+            <a:ext cx="6462910" cy="0"/>
+          </a:xfrm>
+          <a:prstGeom prst="line">
+            <a:avLst/>
+          </a:prstGeom>
+          <a:ln w="53975">
+            <a:solidFill>
+              <a:schemeClr val="tx1"/>
+            </a:solidFill>
+            <a:prstDash val="sysDash"/>
+          </a:ln>
+        </p:spPr>
+        <p:style>
+          <a:lnRef idx="1">
+            <a:schemeClr val="accent1"/>
+          </a:lnRef>
+          <a:fillRef idx="0">
+            <a:schemeClr val="accent1"/>
+          </a:fillRef>
+          <a:effectRef idx="0">
+            <a:schemeClr val="accent1"/>
+          </a:effectRef>
+          <a:fontRef idx="minor">
+            <a:schemeClr val="tx1"/>
+          </a:fontRef>
+        </p:style>
+      </p:cxnSp>
+      <p:sp>
+        <p:nvSpPr>
+          <p:cNvPr id="9" name="사각형: 둥근 모서리 8">
+            <a:extLst>
+              <a:ext uri="{FF2B5EF4-FFF2-40B4-BE49-F238E27FC236}">
+                <a16:creationId xmlns:a16="http://schemas.microsoft.com/office/drawing/2014/main" id="{11078B58-6230-470A-A8A6-CA1E237F5923}"/>
+              </a:ext>
+            </a:extLst>
+          </p:cNvPr>
+          <p:cNvSpPr/>
+          <p:nvPr/>
+        </p:nvSpPr>
+        <p:spPr>
+          <a:xfrm>
+            <a:off x="1130060" y="1941253"/>
+            <a:ext cx="2734574" cy="318868"/>
+          </a:xfrm>
+          <a:prstGeom prst="roundRect">
+            <a:avLst/>
+          </a:prstGeom>
+          <a:solidFill>
+            <a:schemeClr val="tx1"/>
+          </a:solidFill>
+          <a:ln>
+            <a:noFill/>
+          </a:ln>
+        </p:spPr>
+        <p:style>
+          <a:lnRef idx="2">
+            <a:schemeClr val="accent1">
+              <a:shade val="50000"/>
+            </a:schemeClr>
+          </a:lnRef>
+          <a:fillRef idx="1">
+            <a:schemeClr val="accent1"/>
+          </a:fillRef>
+          <a:effectRef idx="0">
+            <a:schemeClr val="accent1"/>
+          </a:effectRef>
+          <a:fontRef idx="minor">
+            <a:schemeClr val="lt1"/>
+          </a:fontRef>
+        </p:style>
+        <p:txBody>
+          <a:bodyPr rtlCol="0" anchor="ctr"/>
+          <a:lstStyle/>
+          <a:p>
+            <a:pPr algn="ctr"/>
+            <a:r>
+              <a:rPr lang="ko-KR" altLang="en-US">
+                <a:solidFill>
+                  <a:schemeClr val="bg2">
+                    <a:lumMod val="75000"/>
+                  </a:schemeClr>
+                </a:solidFill>
               </a:rPr>
-              <a:t>   </a:t>
-            </a:r>
-            <a:r>
-              <a:rPr lang="ko-KR" altLang="en-US" sz="2000" dirty="0">
-                <a:sym typeface="Wingdings" panose="05000000000000000000" pitchFamily="2" charset="2"/>
+              <a:t>지역 데이터</a:t>
+            </a:r>
+          </a:p>
+        </p:txBody>
+      </p:sp>
+      <p:sp>
+        <p:nvSpPr>
+          <p:cNvPr id="10" name="사각형: 둥근 모서리 9">
+            <a:extLst>
+              <a:ext uri="{FF2B5EF4-FFF2-40B4-BE49-F238E27FC236}">
+                <a16:creationId xmlns:a16="http://schemas.microsoft.com/office/drawing/2014/main" id="{CE61FC60-437C-4BDF-86A4-75FC229B5578}"/>
+              </a:ext>
+            </a:extLst>
+          </p:cNvPr>
+          <p:cNvSpPr/>
+          <p:nvPr/>
+        </p:nvSpPr>
+        <p:spPr>
+          <a:xfrm>
+            <a:off x="7269707" y="1941253"/>
+            <a:ext cx="2734574" cy="318868"/>
+          </a:xfrm>
+          <a:prstGeom prst="roundRect">
+            <a:avLst/>
+          </a:prstGeom>
+          <a:solidFill>
+            <a:schemeClr val="tx1"/>
+          </a:solidFill>
+          <a:ln>
+            <a:noFill/>
+          </a:ln>
+        </p:spPr>
+        <p:style>
+          <a:lnRef idx="2">
+            <a:schemeClr val="accent1">
+              <a:shade val="50000"/>
+            </a:schemeClr>
+          </a:lnRef>
+          <a:fillRef idx="1">
+            <a:schemeClr val="accent1"/>
+          </a:fillRef>
+          <a:effectRef idx="0">
+            <a:schemeClr val="accent1"/>
+          </a:effectRef>
+          <a:fontRef idx="minor">
+            <a:schemeClr val="lt1"/>
+          </a:fontRef>
+        </p:style>
+        <p:txBody>
+          <a:bodyPr rtlCol="0" anchor="ctr"/>
+          <a:lstStyle/>
+          <a:p>
+            <a:pPr algn="ctr"/>
+            <a:r>
+              <a:rPr lang="ko-KR" altLang="en-US" dirty="0">
+                <a:solidFill>
+                  <a:schemeClr val="bg2">
+                    <a:lumMod val="75000"/>
+                  </a:schemeClr>
+                </a:solidFill>
               </a:rPr>
-              <a:t>지역별 쓰레기 배출량 파악</a:t>
-            </a:r>
-            <a:endParaRPr lang="en-US" altLang="ko-KR" sz="2000" dirty="0">
-              <a:sym typeface="Wingdings" panose="05000000000000000000" pitchFamily="2" charset="2"/>
-            </a:endParaRPr>
-          </a:p>
-          <a:p>
-            <a:pPr>
-              <a:lnSpc>
-                <a:spcPct val="150000"/>
-              </a:lnSpc>
-            </a:pPr>
-            <a:r>
-              <a:rPr lang="en-US" altLang="ko-KR" sz="2000" dirty="0">
-                <a:sym typeface="Wingdings" panose="05000000000000000000" pitchFamily="2" charset="2"/>
-              </a:rPr>
-              <a:t>   </a:t>
-            </a:r>
-            <a:r>
-              <a:rPr lang="ko-KR" altLang="en-US" sz="2000" dirty="0">
-                <a:sym typeface="Wingdings" panose="05000000000000000000" pitchFamily="2" charset="2"/>
-              </a:rPr>
-              <a:t>기존의 </a:t>
-            </a:r>
-            <a:r>
-              <a:rPr lang="ko-KR" altLang="en-US" sz="2000" dirty="0" err="1">
-                <a:sym typeface="Wingdings" panose="05000000000000000000" pitchFamily="2" charset="2"/>
-              </a:rPr>
-              <a:t>재활용도움센터</a:t>
-            </a:r>
-            <a:r>
-              <a:rPr lang="ko-KR" altLang="en-US" sz="2000" dirty="0">
-                <a:sym typeface="Wingdings" panose="05000000000000000000" pitchFamily="2" charset="2"/>
-              </a:rPr>
-              <a:t> 위치를 바탕으로 지역 인구밀집도</a:t>
-            </a:r>
-            <a:r>
-              <a:rPr lang="en-US" altLang="ko-KR" sz="2000" dirty="0">
-                <a:sym typeface="Wingdings" panose="05000000000000000000" pitchFamily="2" charset="2"/>
-              </a:rPr>
-              <a:t>, </a:t>
-            </a:r>
-            <a:r>
-              <a:rPr lang="ko-KR" altLang="en-US" sz="2000" dirty="0">
-                <a:sym typeface="Wingdings" panose="05000000000000000000" pitchFamily="2" charset="2"/>
-              </a:rPr>
-              <a:t>쓰레기 배출량을        </a:t>
-            </a:r>
-            <a:endParaRPr lang="en-US" altLang="ko-KR" sz="2000" dirty="0">
-              <a:sym typeface="Wingdings" panose="05000000000000000000" pitchFamily="2" charset="2"/>
-            </a:endParaRPr>
-          </a:p>
-          <a:p>
-            <a:pPr>
-              <a:lnSpc>
-                <a:spcPct val="150000"/>
-              </a:lnSpc>
-            </a:pPr>
-            <a:r>
-              <a:rPr lang="en-US" altLang="ko-KR" sz="2000" dirty="0">
-                <a:sym typeface="Wingdings" panose="05000000000000000000" pitchFamily="2" charset="2"/>
-              </a:rPr>
-              <a:t>         </a:t>
-            </a:r>
-            <a:r>
-              <a:rPr lang="ko-KR" altLang="en-US" sz="2000" dirty="0">
-                <a:sym typeface="Wingdings" panose="05000000000000000000" pitchFamily="2" charset="2"/>
-              </a:rPr>
-              <a:t>비교하여 </a:t>
-            </a:r>
-            <a:r>
-              <a:rPr lang="ko-KR" altLang="en-US" sz="2000" dirty="0" err="1">
-                <a:sym typeface="Wingdings" panose="05000000000000000000" pitchFamily="2" charset="2"/>
-              </a:rPr>
-              <a:t>재활용도움센터의</a:t>
-            </a:r>
-            <a:r>
-              <a:rPr lang="ko-KR" altLang="en-US" sz="2000" dirty="0">
-                <a:sym typeface="Wingdings" panose="05000000000000000000" pitchFamily="2" charset="2"/>
-              </a:rPr>
-              <a:t> 추가 설치 필요지역 탐색</a:t>
-            </a:r>
-            <a:endParaRPr lang="en-US" altLang="ko-KR" sz="2000" dirty="0"/>
-          </a:p>
-          <a:p>
-            <a:pPr>
-              <a:lnSpc>
-                <a:spcPct val="150000"/>
-              </a:lnSpc>
-            </a:pPr>
-            <a:r>
-              <a:rPr lang="en-US" altLang="ko-KR" sz="2000" dirty="0"/>
-              <a:t>  </a:t>
+              <a:t>쓰레기 관련 데이터</a:t>
             </a:r>
           </a:p>
         </p:txBody>
@@ -6114,7 +8105,7 @@
     </p:spTree>
     <p:extLst>
       <p:ext uri="{BB962C8B-B14F-4D97-AF65-F5344CB8AC3E}">
-        <p14:creationId xmlns:p14="http://schemas.microsoft.com/office/powerpoint/2010/main" val="1473660708"/>
+        <p14:creationId xmlns:p14="http://schemas.microsoft.com/office/powerpoint/2010/main" val="964489974"/>
       </p:ext>
     </p:extLst>
   </p:cSld>
@@ -6159,7 +8150,7 @@
         </p:nvSpPr>
         <p:spPr>
           <a:xfrm>
-            <a:off x="490742" y="284176"/>
+            <a:off x="490742" y="266591"/>
             <a:ext cx="9784080" cy="1508760"/>
           </a:xfrm>
         </p:spPr>
@@ -6169,7 +8160,15 @@
           <a:p>
             <a:r>
               <a:rPr lang="ko-KR" altLang="en-US" dirty="0"/>
-              <a:t>기대효과</a:t>
+              <a:t>데이터 </a:t>
+            </a:r>
+            <a:r>
+              <a:rPr lang="ko-KR" altLang="en-US" dirty="0" err="1"/>
+              <a:t>전처리</a:t>
+            </a:r>
+            <a:r>
+              <a:rPr lang="ko-KR" altLang="en-US" dirty="0"/>
+              <a:t> 방향</a:t>
             </a:r>
           </a:p>
         </p:txBody>
@@ -6188,8 +8187,8 @@
         </p:nvSpPr>
         <p:spPr>
           <a:xfrm>
-            <a:off x="575187" y="2330245"/>
-            <a:ext cx="9276736" cy="1631216"/>
+            <a:off x="575187" y="1929195"/>
+            <a:ext cx="9276736" cy="4661276"/>
           </a:xfrm>
           <a:prstGeom prst="rect">
             <a:avLst/>
@@ -6202,13 +8201,53 @@
           </a:bodyPr>
           <a:lstStyle/>
           <a:p>
+            <a:pPr>
+              <a:lnSpc>
+                <a:spcPct val="150000"/>
+              </a:lnSpc>
+            </a:pPr>
             <a:r>
               <a:rPr lang="ko-KR" altLang="en-US" sz="2000" dirty="0" err="1"/>
               <a:t>ㅇ</a:t>
             </a:r>
             <a:r>
               <a:rPr lang="ko-KR" altLang="en-US" sz="2000" dirty="0"/>
-              <a:t> </a:t>
+              <a:t> 제주도 지역별 데이터와 쓰레기 배출량 상관 관계 분석</a:t>
+            </a:r>
+            <a:endParaRPr lang="en-US" altLang="ko-KR" sz="2000" dirty="0"/>
+          </a:p>
+          <a:p>
+            <a:pPr>
+              <a:lnSpc>
+                <a:spcPct val="150000"/>
+              </a:lnSpc>
+            </a:pPr>
+            <a:r>
+              <a:rPr lang="en-US" altLang="ko-KR" sz="2000" dirty="0"/>
+              <a:t>  </a:t>
+            </a:r>
+          </a:p>
+          <a:p>
+            <a:pPr>
+              <a:lnSpc>
+                <a:spcPct val="150000"/>
+              </a:lnSpc>
+            </a:pPr>
+            <a:r>
+              <a:rPr lang="ko-KR" altLang="en-US" sz="2000" dirty="0" err="1"/>
+              <a:t>ㅇ</a:t>
+            </a:r>
+            <a:r>
+              <a:rPr lang="ko-KR" altLang="en-US" sz="2000" dirty="0"/>
+              <a:t> 동 별 </a:t>
+            </a:r>
+            <a:r>
+              <a:rPr lang="ko-KR" altLang="en-US" sz="2000" dirty="0" err="1"/>
+              <a:t>재활용도움센터</a:t>
+            </a:r>
+            <a:r>
+              <a:rPr lang="ko-KR" altLang="en-US" sz="2000" dirty="0"/>
+              <a:t> 및 </a:t>
             </a:r>
             <a:r>
               <a:rPr lang="ko-KR" altLang="en-US" sz="2000" dirty="0" err="1"/>
@@ -6216,43 +8255,174 @@
             </a:r>
             <a:r>
               <a:rPr lang="ko-KR" altLang="en-US" sz="2000" dirty="0"/>
-              <a:t> 하나 당 효용성을 파악할 수 있음</a:t>
+              <a:t> 구분</a:t>
             </a:r>
             <a:endParaRPr lang="en-US" altLang="ko-KR" sz="2000" dirty="0"/>
           </a:p>
           <a:p>
+            <a:pPr>
+              <a:lnSpc>
+                <a:spcPct val="150000"/>
+              </a:lnSpc>
+            </a:pPr>
             <a:endParaRPr lang="en-US" altLang="ko-KR" sz="2000" dirty="0"/>
           </a:p>
           <a:p>
+            <a:pPr>
+              <a:lnSpc>
+                <a:spcPct val="150000"/>
+              </a:lnSpc>
+            </a:pPr>
             <a:r>
               <a:rPr lang="ko-KR" altLang="en-US" sz="2000" dirty="0" err="1"/>
               <a:t>ㅇ</a:t>
             </a:r>
             <a:r>
               <a:rPr lang="ko-KR" altLang="en-US" sz="2000" dirty="0"/>
+              <a:t> 쓰레기 배출량 </a:t>
+            </a:r>
+            <a:r>
+              <a:rPr lang="en-US" altLang="ko-KR" sz="2000" dirty="0"/>
+              <a:t>/ (</a:t>
+            </a:r>
+            <a:r>
+              <a:rPr lang="ko-KR" altLang="en-US" sz="2000" dirty="0" err="1"/>
+              <a:t>클린하우스</a:t>
+            </a:r>
+            <a:r>
+              <a:rPr lang="ko-KR" altLang="en-US" sz="2000" dirty="0"/>
               <a:t> </a:t>
             </a:r>
             <a:r>
+              <a:rPr lang="en-US" altLang="ko-KR" sz="2000" dirty="0"/>
+              <a:t>+ </a:t>
+            </a:r>
+            <a:r>
               <a:rPr lang="ko-KR" altLang="en-US" sz="2000" dirty="0" err="1"/>
+              <a:t>재활용도움센터</a:t>
+            </a:r>
+            <a:r>
+              <a:rPr lang="en-US" altLang="ko-KR" sz="2000" dirty="0"/>
+              <a:t>)</a:t>
+            </a:r>
+          </a:p>
+          <a:p>
+            <a:pPr>
+              <a:lnSpc>
+                <a:spcPct val="150000"/>
+              </a:lnSpc>
+            </a:pPr>
+            <a:endParaRPr lang="en-US" altLang="ko-KR" sz="2000" dirty="0"/>
+          </a:p>
+          <a:p>
+            <a:pPr>
+              <a:lnSpc>
+                <a:spcPct val="150000"/>
+              </a:lnSpc>
+            </a:pPr>
+            <a:r>
+              <a:rPr lang="en-US" altLang="ko-KR" sz="2000" dirty="0">
+                <a:sym typeface="Wingdings" panose="05000000000000000000" pitchFamily="2" charset="2"/>
+              </a:rPr>
+              <a:t>   </a:t>
+            </a:r>
+            <a:r>
+              <a:rPr lang="ko-KR" altLang="en-US" sz="2000" dirty="0">
+                <a:sym typeface="Wingdings" panose="05000000000000000000" pitchFamily="2" charset="2"/>
+              </a:rPr>
+              <a:t>지역별 쓰레기 배출량 파악</a:t>
+            </a:r>
+            <a:endParaRPr lang="en-US" altLang="ko-KR" sz="2000" dirty="0">
+              <a:sym typeface="Wingdings" panose="05000000000000000000" pitchFamily="2" charset="2"/>
+            </a:endParaRPr>
+          </a:p>
+          <a:p>
+            <a:pPr>
+              <a:lnSpc>
+                <a:spcPct val="150000"/>
+              </a:lnSpc>
+            </a:pPr>
+            <a:r>
+              <a:rPr lang="en-US" altLang="ko-KR" sz="2000" dirty="0">
+                <a:sym typeface="Wingdings" panose="05000000000000000000" pitchFamily="2" charset="2"/>
+              </a:rPr>
+              <a:t>   </a:t>
+            </a:r>
+            <a:r>
+              <a:rPr lang="ko-KR" altLang="en-US" sz="2000" dirty="0">
+                <a:sym typeface="Wingdings" panose="05000000000000000000" pitchFamily="2" charset="2"/>
+              </a:rPr>
+              <a:t>기존의 </a:t>
+            </a:r>
+            <a:r>
+              <a:rPr lang="ko-KR" altLang="en-US" sz="2000" dirty="0" err="1">
+                <a:sym typeface="Wingdings" panose="05000000000000000000" pitchFamily="2" charset="2"/>
+              </a:rPr>
+              <a:t>재활용도움센터</a:t>
+            </a:r>
+            <a:r>
+              <a:rPr lang="ko-KR" altLang="en-US" sz="2000" dirty="0">
+                <a:sym typeface="Wingdings" panose="05000000000000000000" pitchFamily="2" charset="2"/>
+              </a:rPr>
+              <a:t> 위치를 바탕으로 지역 인구밀집도</a:t>
+            </a:r>
+            <a:r>
+              <a:rPr lang="en-US" altLang="ko-KR" sz="2000" dirty="0">
+                <a:sym typeface="Wingdings" panose="05000000000000000000" pitchFamily="2" charset="2"/>
+              </a:rPr>
+              <a:t>, </a:t>
+            </a:r>
+            <a:r>
+              <a:rPr lang="ko-KR" altLang="en-US" sz="2000" dirty="0">
+                <a:sym typeface="Wingdings" panose="05000000000000000000" pitchFamily="2" charset="2"/>
+              </a:rPr>
+              <a:t>쓰레기 배출량을        </a:t>
+            </a:r>
+            <a:endParaRPr lang="en-US" altLang="ko-KR" sz="2000" dirty="0">
+              <a:sym typeface="Wingdings" panose="05000000000000000000" pitchFamily="2" charset="2"/>
+            </a:endParaRPr>
+          </a:p>
+          <a:p>
+            <a:pPr>
+              <a:lnSpc>
+                <a:spcPct val="150000"/>
+              </a:lnSpc>
+            </a:pPr>
+            <a:r>
+              <a:rPr lang="en-US" altLang="ko-KR" sz="2000" dirty="0">
+                <a:sym typeface="Wingdings" panose="05000000000000000000" pitchFamily="2" charset="2"/>
+              </a:rPr>
+              <a:t>         </a:t>
+            </a:r>
+            <a:r>
+              <a:rPr lang="ko-KR" altLang="en-US" sz="2000" dirty="0">
+                <a:sym typeface="Wingdings" panose="05000000000000000000" pitchFamily="2" charset="2"/>
+              </a:rPr>
+              <a:t>비교하여 </a:t>
+            </a:r>
+            <a:r>
+              <a:rPr lang="ko-KR" altLang="en-US" sz="2000" dirty="0" err="1">
+                <a:sym typeface="Wingdings" panose="05000000000000000000" pitchFamily="2" charset="2"/>
+              </a:rPr>
               <a:t>재활용도움센터의</a:t>
             </a:r>
             <a:r>
-              <a:rPr lang="ko-KR" altLang="en-US" sz="2000" dirty="0"/>
-              <a:t> 추가적인 설치가 필요한  지역을 추정 가능</a:t>
+              <a:rPr lang="ko-KR" altLang="en-US" sz="2000" dirty="0">
+                <a:sym typeface="Wingdings" panose="05000000000000000000" pitchFamily="2" charset="2"/>
+              </a:rPr>
+              <a:t> 추가 설치 필요지역 탐색</a:t>
             </a:r>
             <a:endParaRPr lang="en-US" altLang="ko-KR" sz="2000" dirty="0"/>
           </a:p>
           <a:p>
-            <a:endParaRPr lang="en-US" altLang="ko-KR" sz="2000" dirty="0"/>
-          </a:p>
-          <a:p>
-            <a:r>
-              <a:rPr lang="ko-KR" altLang="en-US" sz="2000" dirty="0" err="1"/>
-              <a:t>ㅇ</a:t>
-            </a:r>
-            <a:r>
-              <a:rPr lang="ko-KR" altLang="en-US" sz="2000" dirty="0"/>
-              <a:t> 도민들의 재활용에 대한 인식을 바꿀 수 있음</a:t>
+            <a:pPr>
+              <a:lnSpc>
+                <a:spcPct val="150000"/>
+              </a:lnSpc>
+            </a:pPr>
+            <a:r>
+              <a:rPr lang="en-US" altLang="ko-KR" sz="2000" dirty="0"/>
+              <a:t>  </a:t>
             </a:r>
           </a:p>
         </p:txBody>
@@ -6260,7 +8430,7 @@
     </p:spTree>
     <p:extLst>
       <p:ext uri="{BB962C8B-B14F-4D97-AF65-F5344CB8AC3E}">
-        <p14:creationId xmlns:p14="http://schemas.microsoft.com/office/powerpoint/2010/main" val="3884077143"/>
+        <p14:creationId xmlns:p14="http://schemas.microsoft.com/office/powerpoint/2010/main" val="1473660708"/>
       </p:ext>
     </p:extLst>
   </p:cSld>
@@ -6292,7 +8462,7 @@
           <p:cNvPr id="2" name="제목 1">
             <a:extLst>
               <a:ext uri="{FF2B5EF4-FFF2-40B4-BE49-F238E27FC236}">
-                <a16:creationId xmlns:a16="http://schemas.microsoft.com/office/drawing/2014/main" id="{0028B4BC-4750-45A9-8130-0A702B166F6D}"/>
+                <a16:creationId xmlns:a16="http://schemas.microsoft.com/office/drawing/2014/main" id="{5573004E-1D02-4C3C-9DF7-AFE37041D6EA}"/>
               </a:ext>
             </a:extLst>
           </p:cNvPr>
@@ -6300,28 +8470,133 @@
             <a:spLocks noGrp="1"/>
           </p:cNvSpPr>
           <p:nvPr>
-            <p:ph type="ctrTitle"/>
+            <p:ph type="title"/>
           </p:nvPr>
         </p:nvSpPr>
-        <p:spPr/>
-        <p:txBody>
-          <a:bodyPr>
-            <a:normAutofit/>
+        <p:spPr>
+          <a:xfrm>
+            <a:off x="490742" y="284176"/>
+            <a:ext cx="9784080" cy="1508760"/>
+          </a:xfrm>
+        </p:spPr>
+        <p:txBody>
+          <a:bodyPr/>
+          <a:lstStyle/>
+          <a:p>
+            <a:r>
+              <a:rPr lang="ko-KR" altLang="en-US" dirty="0"/>
+              <a:t>기대효과</a:t>
+            </a:r>
+          </a:p>
+        </p:txBody>
+      </p:sp>
+      <p:sp>
+        <p:nvSpPr>
+          <p:cNvPr id="4" name="TextBox 3">
+            <a:extLst>
+              <a:ext uri="{FF2B5EF4-FFF2-40B4-BE49-F238E27FC236}">
+                <a16:creationId xmlns:a16="http://schemas.microsoft.com/office/drawing/2014/main" id="{7D43268F-77D9-4E9D-B184-9A8C0360E789}"/>
+              </a:ext>
+            </a:extLst>
+          </p:cNvPr>
+          <p:cNvSpPr txBox="1"/>
+          <p:nvPr/>
+        </p:nvSpPr>
+        <p:spPr>
+          <a:xfrm>
+            <a:off x="575187" y="2330245"/>
+            <a:ext cx="9276736" cy="1938992"/>
+          </a:xfrm>
+          <a:prstGeom prst="rect">
+            <a:avLst/>
+          </a:prstGeom>
+          <a:noFill/>
+        </p:spPr>
+        <p:txBody>
+          <a:bodyPr wrap="square" rtlCol="0">
+            <a:spAutoFit/>
           </a:bodyPr>
           <a:lstStyle/>
           <a:p>
             <a:r>
-              <a:rPr lang="en-US" altLang="ko-KR" sz="8000" dirty="0"/>
-              <a:t>Q&amp;A</a:t>
-            </a:r>
-            <a:endParaRPr lang="ko-KR" altLang="en-US" sz="8000" dirty="0"/>
+              <a:rPr lang="ko-KR" altLang="en-US" sz="2000" dirty="0" err="1"/>
+              <a:t>ㅇ</a:t>
+            </a:r>
+            <a:r>
+              <a:rPr lang="ko-KR" altLang="en-US" sz="2000" dirty="0"/>
+              <a:t> </a:t>
+            </a:r>
+            <a:r>
+              <a:rPr lang="ko-KR" altLang="en-US" sz="2000" dirty="0" err="1"/>
+              <a:t>클린하우스</a:t>
+            </a:r>
+            <a:r>
+              <a:rPr lang="en-US" altLang="ko-KR" sz="2000" dirty="0"/>
+              <a:t>, </a:t>
+            </a:r>
+            <a:r>
+              <a:rPr lang="ko-KR" altLang="en-US" sz="2000" dirty="0" err="1"/>
+              <a:t>재활용도움센터</a:t>
+            </a:r>
+            <a:r>
+              <a:rPr lang="ko-KR" altLang="en-US" sz="2000" dirty="0"/>
+              <a:t> 하나 당 효용성을 파악할 수 있음</a:t>
+            </a:r>
+            <a:endParaRPr lang="en-US" altLang="ko-KR" sz="2000" dirty="0"/>
+          </a:p>
+          <a:p>
+            <a:endParaRPr lang="en-US" altLang="ko-KR" sz="2000" dirty="0"/>
+          </a:p>
+          <a:p>
+            <a:r>
+              <a:rPr lang="ko-KR" altLang="en-US" sz="2000" dirty="0" err="1"/>
+              <a:t>ㅇ</a:t>
+            </a:r>
+            <a:r>
+              <a:rPr lang="ko-KR" altLang="en-US" sz="2000" dirty="0"/>
+              <a:t> </a:t>
+            </a:r>
+            <a:r>
+              <a:rPr lang="ko-KR" altLang="en-US" sz="2000" dirty="0" err="1"/>
+              <a:t>재활용도움센터의</a:t>
+            </a:r>
+            <a:r>
+              <a:rPr lang="ko-KR" altLang="en-US" sz="2000" dirty="0"/>
+              <a:t> 추가적인 설치가 필요한  지역을 추정 가능</a:t>
+            </a:r>
+            <a:endParaRPr lang="en-US" altLang="ko-KR" sz="2000" dirty="0"/>
+          </a:p>
+          <a:p>
+            <a:r>
+              <a:rPr lang="en-US" altLang="ko-KR" sz="2000" dirty="0"/>
+              <a:t>   - </a:t>
+            </a:r>
+            <a:r>
+              <a:rPr lang="ko-KR" altLang="en-US" sz="2000" dirty="0"/>
+              <a:t>필요 없는 지역에 설치하는 예산낭비 방지 가능</a:t>
+            </a:r>
+            <a:endParaRPr lang="en-US" altLang="ko-KR" sz="2000" dirty="0"/>
+          </a:p>
+          <a:p>
+            <a:endParaRPr lang="en-US" altLang="ko-KR" sz="2000" dirty="0"/>
+          </a:p>
+          <a:p>
+            <a:r>
+              <a:rPr lang="ko-KR" altLang="en-US" sz="2000" dirty="0" err="1"/>
+              <a:t>ㅇ</a:t>
+            </a:r>
+            <a:r>
+              <a:rPr lang="ko-KR" altLang="en-US" sz="2000" dirty="0"/>
+              <a:t> 도민들의 재활용에 대한 인식을 바꿀 수 있음</a:t>
+            </a:r>
+            <a:endParaRPr lang="en-US" altLang="ko-KR" sz="2000" dirty="0"/>
           </a:p>
         </p:txBody>
       </p:sp>
     </p:spTree>
     <p:extLst>
       <p:ext uri="{BB962C8B-B14F-4D97-AF65-F5344CB8AC3E}">
-        <p14:creationId xmlns:p14="http://schemas.microsoft.com/office/powerpoint/2010/main" val="317497467"/>
+        <p14:creationId xmlns:p14="http://schemas.microsoft.com/office/powerpoint/2010/main" val="3884077143"/>
       </p:ext>
     </p:extLst>
   </p:cSld>
